--- a/99. Lecture note in ppt/11. IndexedDB2.pptx
+++ b/99. Lecture note in ppt/11. IndexedDB2.pptx
@@ -187,10 +187,9 @@
           </a:lstStyle>
           <a:p>
             <a:r>
-              <a:rPr lang="ko-KR" altLang="en-US" smtClean="0"/>
+              <a:rPr lang="ko-KR" altLang="en-US"/>
               <a:t>마스터 제목 스타일 편집</a:t>
             </a:r>
-            <a:endParaRPr lang="ko-KR" altLang="en-US"/>
           </a:p>
         </p:txBody>
       </p:sp>
@@ -252,10 +251,9 @@
           </a:lstStyle>
           <a:p>
             <a:r>
-              <a:rPr lang="ko-KR" altLang="en-US" smtClean="0"/>
+              <a:rPr lang="ko-KR" altLang="en-US"/>
               <a:t>클릭하여 마스터 부제목 스타일 편집</a:t>
             </a:r>
-            <a:endParaRPr lang="ko-KR" altLang="en-US"/>
           </a:p>
         </p:txBody>
       </p:sp>
@@ -276,7 +274,7 @@
           <a:p>
             <a:fld id="{B2970B56-F379-468E-8C04-AC3274656B30}" type="datetimeFigureOut">
               <a:rPr lang="ko-KR" altLang="en-US" smtClean="0"/>
-              <a:t>2023-04-11</a:t>
+              <a:t>2023-04-16</a:t>
             </a:fld>
             <a:endParaRPr lang="ko-KR" altLang="en-US"/>
           </a:p>
@@ -370,10 +368,9 @@
           <a:lstStyle/>
           <a:p>
             <a:r>
-              <a:rPr lang="ko-KR" altLang="en-US" smtClean="0"/>
+              <a:rPr lang="ko-KR" altLang="en-US"/>
               <a:t>마스터 제목 스타일 편집</a:t>
             </a:r>
-            <a:endParaRPr lang="ko-KR" altLang="en-US"/>
           </a:p>
         </p:txBody>
       </p:sp>
@@ -394,38 +391,37 @@
           <a:p>
             <a:pPr lvl="0"/>
             <a:r>
-              <a:rPr lang="ko-KR" altLang="en-US" smtClean="0"/>
+              <a:rPr lang="ko-KR" altLang="en-US"/>
               <a:t>마스터 텍스트 스타일 편집</a:t>
             </a:r>
           </a:p>
           <a:p>
             <a:pPr lvl="1"/>
             <a:r>
-              <a:rPr lang="ko-KR" altLang="en-US" smtClean="0"/>
+              <a:rPr lang="ko-KR" altLang="en-US"/>
               <a:t>둘째 수준</a:t>
             </a:r>
           </a:p>
           <a:p>
             <a:pPr lvl="2"/>
             <a:r>
-              <a:rPr lang="ko-KR" altLang="en-US" smtClean="0"/>
+              <a:rPr lang="ko-KR" altLang="en-US"/>
               <a:t>셋째 수준</a:t>
             </a:r>
           </a:p>
           <a:p>
             <a:pPr lvl="3"/>
             <a:r>
-              <a:rPr lang="ko-KR" altLang="en-US" smtClean="0"/>
+              <a:rPr lang="ko-KR" altLang="en-US"/>
               <a:t>넷째 수준</a:t>
             </a:r>
           </a:p>
           <a:p>
             <a:pPr lvl="4"/>
             <a:r>
-              <a:rPr lang="ko-KR" altLang="en-US" smtClean="0"/>
+              <a:rPr lang="ko-KR" altLang="en-US"/>
               <a:t>다섯째 수준</a:t>
             </a:r>
-            <a:endParaRPr lang="ko-KR" altLang="en-US"/>
           </a:p>
         </p:txBody>
       </p:sp>
@@ -446,7 +442,7 @@
           <a:p>
             <a:fld id="{B2970B56-F379-468E-8C04-AC3274656B30}" type="datetimeFigureOut">
               <a:rPr lang="ko-KR" altLang="en-US" smtClean="0"/>
-              <a:t>2023-04-11</a:t>
+              <a:t>2023-04-16</a:t>
             </a:fld>
             <a:endParaRPr lang="ko-KR" altLang="en-US"/>
           </a:p>
@@ -545,10 +541,9 @@
           <a:lstStyle/>
           <a:p>
             <a:r>
-              <a:rPr lang="ko-KR" altLang="en-US" smtClean="0"/>
+              <a:rPr lang="ko-KR" altLang="en-US"/>
               <a:t>마스터 제목 스타일 편집</a:t>
             </a:r>
-            <a:endParaRPr lang="ko-KR" altLang="en-US"/>
           </a:p>
         </p:txBody>
       </p:sp>
@@ -574,38 +569,37 @@
           <a:p>
             <a:pPr lvl="0"/>
             <a:r>
-              <a:rPr lang="ko-KR" altLang="en-US" smtClean="0"/>
+              <a:rPr lang="ko-KR" altLang="en-US"/>
               <a:t>마스터 텍스트 스타일 편집</a:t>
             </a:r>
           </a:p>
           <a:p>
             <a:pPr lvl="1"/>
             <a:r>
-              <a:rPr lang="ko-KR" altLang="en-US" smtClean="0"/>
+              <a:rPr lang="ko-KR" altLang="en-US"/>
               <a:t>둘째 수준</a:t>
             </a:r>
           </a:p>
           <a:p>
             <a:pPr lvl="2"/>
             <a:r>
-              <a:rPr lang="ko-KR" altLang="en-US" smtClean="0"/>
+              <a:rPr lang="ko-KR" altLang="en-US"/>
               <a:t>셋째 수준</a:t>
             </a:r>
           </a:p>
           <a:p>
             <a:pPr lvl="3"/>
             <a:r>
-              <a:rPr lang="ko-KR" altLang="en-US" smtClean="0"/>
+              <a:rPr lang="ko-KR" altLang="en-US"/>
               <a:t>넷째 수준</a:t>
             </a:r>
           </a:p>
           <a:p>
             <a:pPr lvl="4"/>
             <a:r>
-              <a:rPr lang="ko-KR" altLang="en-US" smtClean="0"/>
+              <a:rPr lang="ko-KR" altLang="en-US"/>
               <a:t>다섯째 수준</a:t>
             </a:r>
-            <a:endParaRPr lang="ko-KR" altLang="en-US"/>
           </a:p>
         </p:txBody>
       </p:sp>
@@ -626,7 +620,7 @@
           <a:p>
             <a:fld id="{B2970B56-F379-468E-8C04-AC3274656B30}" type="datetimeFigureOut">
               <a:rPr lang="ko-KR" altLang="en-US" smtClean="0"/>
-              <a:t>2023-04-11</a:t>
+              <a:t>2023-04-16</a:t>
             </a:fld>
             <a:endParaRPr lang="ko-KR" altLang="en-US"/>
           </a:p>
@@ -720,10 +714,9 @@
           <a:lstStyle/>
           <a:p>
             <a:r>
-              <a:rPr lang="ko-KR" altLang="en-US" smtClean="0"/>
+              <a:rPr lang="ko-KR" altLang="en-US"/>
               <a:t>마스터 제목 스타일 편집</a:t>
             </a:r>
-            <a:endParaRPr lang="ko-KR" altLang="en-US"/>
           </a:p>
         </p:txBody>
       </p:sp>
@@ -744,38 +737,37 @@
           <a:p>
             <a:pPr lvl="0"/>
             <a:r>
-              <a:rPr lang="ko-KR" altLang="en-US" smtClean="0"/>
+              <a:rPr lang="ko-KR" altLang="en-US"/>
               <a:t>마스터 텍스트 스타일 편집</a:t>
             </a:r>
           </a:p>
           <a:p>
             <a:pPr lvl="1"/>
             <a:r>
-              <a:rPr lang="ko-KR" altLang="en-US" smtClean="0"/>
+              <a:rPr lang="ko-KR" altLang="en-US"/>
               <a:t>둘째 수준</a:t>
             </a:r>
           </a:p>
           <a:p>
             <a:pPr lvl="2"/>
             <a:r>
-              <a:rPr lang="ko-KR" altLang="en-US" smtClean="0"/>
+              <a:rPr lang="ko-KR" altLang="en-US"/>
               <a:t>셋째 수준</a:t>
             </a:r>
           </a:p>
           <a:p>
             <a:pPr lvl="3"/>
             <a:r>
-              <a:rPr lang="ko-KR" altLang="en-US" smtClean="0"/>
+              <a:rPr lang="ko-KR" altLang="en-US"/>
               <a:t>넷째 수준</a:t>
             </a:r>
           </a:p>
           <a:p>
             <a:pPr lvl="4"/>
             <a:r>
-              <a:rPr lang="ko-KR" altLang="en-US" smtClean="0"/>
+              <a:rPr lang="ko-KR" altLang="en-US"/>
               <a:t>다섯째 수준</a:t>
             </a:r>
-            <a:endParaRPr lang="ko-KR" altLang="en-US"/>
           </a:p>
         </p:txBody>
       </p:sp>
@@ -796,7 +788,7 @@
           <a:p>
             <a:fld id="{B2970B56-F379-468E-8C04-AC3274656B30}" type="datetimeFigureOut">
               <a:rPr lang="ko-KR" altLang="en-US" smtClean="0"/>
-              <a:t>2023-04-11</a:t>
+              <a:t>2023-04-16</a:t>
             </a:fld>
             <a:endParaRPr lang="ko-KR" altLang="en-US"/>
           </a:p>
@@ -899,10 +891,9 @@
           </a:lstStyle>
           <a:p>
             <a:r>
-              <a:rPr lang="ko-KR" altLang="en-US" smtClean="0"/>
+              <a:rPr lang="ko-KR" altLang="en-US"/>
               <a:t>마스터 제목 스타일 편집</a:t>
             </a:r>
-            <a:endParaRPr lang="ko-KR" altLang="en-US"/>
           </a:p>
         </p:txBody>
       </p:sp>
@@ -1019,7 +1010,7 @@
           <a:p>
             <a:pPr lvl="0"/>
             <a:r>
-              <a:rPr lang="ko-KR" altLang="en-US" smtClean="0"/>
+              <a:rPr lang="ko-KR" altLang="en-US"/>
               <a:t>마스터 텍스트 스타일 편집</a:t>
             </a:r>
           </a:p>
@@ -1042,7 +1033,7 @@
           <a:p>
             <a:fld id="{B2970B56-F379-468E-8C04-AC3274656B30}" type="datetimeFigureOut">
               <a:rPr lang="ko-KR" altLang="en-US" smtClean="0"/>
-              <a:t>2023-04-11</a:t>
+              <a:t>2023-04-16</a:t>
             </a:fld>
             <a:endParaRPr lang="ko-KR" altLang="en-US"/>
           </a:p>
@@ -1136,10 +1127,9 @@
           <a:lstStyle/>
           <a:p>
             <a:r>
-              <a:rPr lang="ko-KR" altLang="en-US" smtClean="0"/>
+              <a:rPr lang="ko-KR" altLang="en-US"/>
               <a:t>마스터 제목 스타일 편집</a:t>
             </a:r>
-            <a:endParaRPr lang="ko-KR" altLang="en-US"/>
           </a:p>
         </p:txBody>
       </p:sp>
@@ -1165,38 +1155,37 @@
           <a:p>
             <a:pPr lvl="0"/>
             <a:r>
-              <a:rPr lang="ko-KR" altLang="en-US" smtClean="0"/>
+              <a:rPr lang="ko-KR" altLang="en-US"/>
               <a:t>마스터 텍스트 스타일 편집</a:t>
             </a:r>
           </a:p>
           <a:p>
             <a:pPr lvl="1"/>
             <a:r>
-              <a:rPr lang="ko-KR" altLang="en-US" smtClean="0"/>
+              <a:rPr lang="ko-KR" altLang="en-US"/>
               <a:t>둘째 수준</a:t>
             </a:r>
           </a:p>
           <a:p>
             <a:pPr lvl="2"/>
             <a:r>
-              <a:rPr lang="ko-KR" altLang="en-US" smtClean="0"/>
+              <a:rPr lang="ko-KR" altLang="en-US"/>
               <a:t>셋째 수준</a:t>
             </a:r>
           </a:p>
           <a:p>
             <a:pPr lvl="3"/>
             <a:r>
-              <a:rPr lang="ko-KR" altLang="en-US" smtClean="0"/>
+              <a:rPr lang="ko-KR" altLang="en-US"/>
               <a:t>넷째 수준</a:t>
             </a:r>
           </a:p>
           <a:p>
             <a:pPr lvl="4"/>
             <a:r>
-              <a:rPr lang="ko-KR" altLang="en-US" smtClean="0"/>
+              <a:rPr lang="ko-KR" altLang="en-US"/>
               <a:t>다섯째 수준</a:t>
             </a:r>
-            <a:endParaRPr lang="ko-KR" altLang="en-US"/>
           </a:p>
         </p:txBody>
       </p:sp>
@@ -1222,38 +1211,37 @@
           <a:p>
             <a:pPr lvl="0"/>
             <a:r>
-              <a:rPr lang="ko-KR" altLang="en-US" smtClean="0"/>
+              <a:rPr lang="ko-KR" altLang="en-US"/>
               <a:t>마스터 텍스트 스타일 편집</a:t>
             </a:r>
           </a:p>
           <a:p>
             <a:pPr lvl="1"/>
             <a:r>
-              <a:rPr lang="ko-KR" altLang="en-US" smtClean="0"/>
+              <a:rPr lang="ko-KR" altLang="en-US"/>
               <a:t>둘째 수준</a:t>
             </a:r>
           </a:p>
           <a:p>
             <a:pPr lvl="2"/>
             <a:r>
-              <a:rPr lang="ko-KR" altLang="en-US" smtClean="0"/>
+              <a:rPr lang="ko-KR" altLang="en-US"/>
               <a:t>셋째 수준</a:t>
             </a:r>
           </a:p>
           <a:p>
             <a:pPr lvl="3"/>
             <a:r>
-              <a:rPr lang="ko-KR" altLang="en-US" smtClean="0"/>
+              <a:rPr lang="ko-KR" altLang="en-US"/>
               <a:t>넷째 수준</a:t>
             </a:r>
           </a:p>
           <a:p>
             <a:pPr lvl="4"/>
             <a:r>
-              <a:rPr lang="ko-KR" altLang="en-US" smtClean="0"/>
+              <a:rPr lang="ko-KR" altLang="en-US"/>
               <a:t>다섯째 수준</a:t>
             </a:r>
-            <a:endParaRPr lang="ko-KR" altLang="en-US"/>
           </a:p>
         </p:txBody>
       </p:sp>
@@ -1274,7 +1262,7 @@
           <a:p>
             <a:fld id="{B2970B56-F379-468E-8C04-AC3274656B30}" type="datetimeFigureOut">
               <a:rPr lang="ko-KR" altLang="en-US" smtClean="0"/>
-              <a:t>2023-04-11</a:t>
+              <a:t>2023-04-16</a:t>
             </a:fld>
             <a:endParaRPr lang="ko-KR" altLang="en-US"/>
           </a:p>
@@ -1373,10 +1361,9 @@
           <a:lstStyle/>
           <a:p>
             <a:r>
-              <a:rPr lang="ko-KR" altLang="en-US" smtClean="0"/>
+              <a:rPr lang="ko-KR" altLang="en-US"/>
               <a:t>마스터 제목 스타일 편집</a:t>
             </a:r>
-            <a:endParaRPr lang="ko-KR" altLang="en-US"/>
           </a:p>
         </p:txBody>
       </p:sp>
@@ -1439,7 +1426,7 @@
           <a:p>
             <a:pPr lvl="0"/>
             <a:r>
-              <a:rPr lang="ko-KR" altLang="en-US" smtClean="0"/>
+              <a:rPr lang="ko-KR" altLang="en-US"/>
               <a:t>마스터 텍스트 스타일 편집</a:t>
             </a:r>
           </a:p>
@@ -1467,38 +1454,37 @@
           <a:p>
             <a:pPr lvl="0"/>
             <a:r>
-              <a:rPr lang="ko-KR" altLang="en-US" smtClean="0"/>
+              <a:rPr lang="ko-KR" altLang="en-US"/>
               <a:t>마스터 텍스트 스타일 편집</a:t>
             </a:r>
           </a:p>
           <a:p>
             <a:pPr lvl="1"/>
             <a:r>
-              <a:rPr lang="ko-KR" altLang="en-US" smtClean="0"/>
+              <a:rPr lang="ko-KR" altLang="en-US"/>
               <a:t>둘째 수준</a:t>
             </a:r>
           </a:p>
           <a:p>
             <a:pPr lvl="2"/>
             <a:r>
-              <a:rPr lang="ko-KR" altLang="en-US" smtClean="0"/>
+              <a:rPr lang="ko-KR" altLang="en-US"/>
               <a:t>셋째 수준</a:t>
             </a:r>
           </a:p>
           <a:p>
             <a:pPr lvl="3"/>
             <a:r>
-              <a:rPr lang="ko-KR" altLang="en-US" smtClean="0"/>
+              <a:rPr lang="ko-KR" altLang="en-US"/>
               <a:t>넷째 수준</a:t>
             </a:r>
           </a:p>
           <a:p>
             <a:pPr lvl="4"/>
             <a:r>
-              <a:rPr lang="ko-KR" altLang="en-US" smtClean="0"/>
+              <a:rPr lang="ko-KR" altLang="en-US"/>
               <a:t>다섯째 수준</a:t>
             </a:r>
-            <a:endParaRPr lang="ko-KR" altLang="en-US"/>
           </a:p>
         </p:txBody>
       </p:sp>
@@ -1561,7 +1547,7 @@
           <a:p>
             <a:pPr lvl="0"/>
             <a:r>
-              <a:rPr lang="ko-KR" altLang="en-US" smtClean="0"/>
+              <a:rPr lang="ko-KR" altLang="en-US"/>
               <a:t>마스터 텍스트 스타일 편집</a:t>
             </a:r>
           </a:p>
@@ -1589,38 +1575,37 @@
           <a:p>
             <a:pPr lvl="0"/>
             <a:r>
-              <a:rPr lang="ko-KR" altLang="en-US" smtClean="0"/>
+              <a:rPr lang="ko-KR" altLang="en-US"/>
               <a:t>마스터 텍스트 스타일 편집</a:t>
             </a:r>
           </a:p>
           <a:p>
             <a:pPr lvl="1"/>
             <a:r>
-              <a:rPr lang="ko-KR" altLang="en-US" smtClean="0"/>
+              <a:rPr lang="ko-KR" altLang="en-US"/>
               <a:t>둘째 수준</a:t>
             </a:r>
           </a:p>
           <a:p>
             <a:pPr lvl="2"/>
             <a:r>
-              <a:rPr lang="ko-KR" altLang="en-US" smtClean="0"/>
+              <a:rPr lang="ko-KR" altLang="en-US"/>
               <a:t>셋째 수준</a:t>
             </a:r>
           </a:p>
           <a:p>
             <a:pPr lvl="3"/>
             <a:r>
-              <a:rPr lang="ko-KR" altLang="en-US" smtClean="0"/>
+              <a:rPr lang="ko-KR" altLang="en-US"/>
               <a:t>넷째 수준</a:t>
             </a:r>
           </a:p>
           <a:p>
             <a:pPr lvl="4"/>
             <a:r>
-              <a:rPr lang="ko-KR" altLang="en-US" smtClean="0"/>
+              <a:rPr lang="ko-KR" altLang="en-US"/>
               <a:t>다섯째 수준</a:t>
             </a:r>
-            <a:endParaRPr lang="ko-KR" altLang="en-US"/>
           </a:p>
         </p:txBody>
       </p:sp>
@@ -1641,7 +1626,7 @@
           <a:p>
             <a:fld id="{B2970B56-F379-468E-8C04-AC3274656B30}" type="datetimeFigureOut">
               <a:rPr lang="ko-KR" altLang="en-US" smtClean="0"/>
-              <a:t>2023-04-11</a:t>
+              <a:t>2023-04-16</a:t>
             </a:fld>
             <a:endParaRPr lang="ko-KR" altLang="en-US"/>
           </a:p>
@@ -1735,10 +1720,9 @@
           <a:lstStyle/>
           <a:p>
             <a:r>
-              <a:rPr lang="ko-KR" altLang="en-US" smtClean="0"/>
+              <a:rPr lang="ko-KR" altLang="en-US"/>
               <a:t>마스터 제목 스타일 편집</a:t>
             </a:r>
-            <a:endParaRPr lang="ko-KR" altLang="en-US"/>
           </a:p>
         </p:txBody>
       </p:sp>
@@ -1759,7 +1743,7 @@
           <a:p>
             <a:fld id="{B2970B56-F379-468E-8C04-AC3274656B30}" type="datetimeFigureOut">
               <a:rPr lang="ko-KR" altLang="en-US" smtClean="0"/>
-              <a:t>2023-04-11</a:t>
+              <a:t>2023-04-16</a:t>
             </a:fld>
             <a:endParaRPr lang="ko-KR" altLang="en-US"/>
           </a:p>
@@ -1854,7 +1838,7 @@
           <a:p>
             <a:fld id="{B2970B56-F379-468E-8C04-AC3274656B30}" type="datetimeFigureOut">
               <a:rPr lang="ko-KR" altLang="en-US" smtClean="0"/>
-              <a:t>2023-04-11</a:t>
+              <a:t>2023-04-16</a:t>
             </a:fld>
             <a:endParaRPr lang="ko-KR" altLang="en-US"/>
           </a:p>
@@ -1957,10 +1941,9 @@
           </a:lstStyle>
           <a:p>
             <a:r>
-              <a:rPr lang="ko-KR" altLang="en-US" smtClean="0"/>
+              <a:rPr lang="ko-KR" altLang="en-US"/>
               <a:t>마스터 제목 스타일 편집</a:t>
             </a:r>
-            <a:endParaRPr lang="ko-KR" altLang="en-US"/>
           </a:p>
         </p:txBody>
       </p:sp>
@@ -2014,38 +1997,37 @@
           <a:p>
             <a:pPr lvl="0"/>
             <a:r>
-              <a:rPr lang="ko-KR" altLang="en-US" smtClean="0"/>
+              <a:rPr lang="ko-KR" altLang="en-US"/>
               <a:t>마스터 텍스트 스타일 편집</a:t>
             </a:r>
           </a:p>
           <a:p>
             <a:pPr lvl="1"/>
             <a:r>
-              <a:rPr lang="ko-KR" altLang="en-US" smtClean="0"/>
+              <a:rPr lang="ko-KR" altLang="en-US"/>
               <a:t>둘째 수준</a:t>
             </a:r>
           </a:p>
           <a:p>
             <a:pPr lvl="2"/>
             <a:r>
-              <a:rPr lang="ko-KR" altLang="en-US" smtClean="0"/>
+              <a:rPr lang="ko-KR" altLang="en-US"/>
               <a:t>셋째 수준</a:t>
             </a:r>
           </a:p>
           <a:p>
             <a:pPr lvl="3"/>
             <a:r>
-              <a:rPr lang="ko-KR" altLang="en-US" smtClean="0"/>
+              <a:rPr lang="ko-KR" altLang="en-US"/>
               <a:t>넷째 수준</a:t>
             </a:r>
           </a:p>
           <a:p>
             <a:pPr lvl="4"/>
             <a:r>
-              <a:rPr lang="ko-KR" altLang="en-US" smtClean="0"/>
+              <a:rPr lang="ko-KR" altLang="en-US"/>
               <a:t>다섯째 수준</a:t>
             </a:r>
-            <a:endParaRPr lang="ko-KR" altLang="en-US"/>
           </a:p>
         </p:txBody>
       </p:sp>
@@ -2108,7 +2090,7 @@
           <a:p>
             <a:pPr lvl="0"/>
             <a:r>
-              <a:rPr lang="ko-KR" altLang="en-US" smtClean="0"/>
+              <a:rPr lang="ko-KR" altLang="en-US"/>
               <a:t>마스터 텍스트 스타일 편집</a:t>
             </a:r>
           </a:p>
@@ -2131,7 +2113,7 @@
           <a:p>
             <a:fld id="{B2970B56-F379-468E-8C04-AC3274656B30}" type="datetimeFigureOut">
               <a:rPr lang="ko-KR" altLang="en-US" smtClean="0"/>
-              <a:t>2023-04-11</a:t>
+              <a:t>2023-04-16</a:t>
             </a:fld>
             <a:endParaRPr lang="ko-KR" altLang="en-US"/>
           </a:p>
@@ -2234,10 +2216,9 @@
           </a:lstStyle>
           <a:p>
             <a:r>
-              <a:rPr lang="ko-KR" altLang="en-US" smtClean="0"/>
+              <a:rPr lang="ko-KR" altLang="en-US"/>
               <a:t>마스터 제목 스타일 편집</a:t>
             </a:r>
-            <a:endParaRPr lang="ko-KR" altLang="en-US"/>
           </a:p>
         </p:txBody>
       </p:sp>
@@ -2361,7 +2342,7 @@
           <a:p>
             <a:pPr lvl="0"/>
             <a:r>
-              <a:rPr lang="ko-KR" altLang="en-US" smtClean="0"/>
+              <a:rPr lang="ko-KR" altLang="en-US"/>
               <a:t>마스터 텍스트 스타일 편집</a:t>
             </a:r>
           </a:p>
@@ -2384,7 +2365,7 @@
           <a:p>
             <a:fld id="{B2970B56-F379-468E-8C04-AC3274656B30}" type="datetimeFigureOut">
               <a:rPr lang="ko-KR" altLang="en-US" smtClean="0"/>
-              <a:t>2023-04-11</a:t>
+              <a:t>2023-04-16</a:t>
             </a:fld>
             <a:endParaRPr lang="ko-KR" altLang="en-US"/>
           </a:p>
@@ -2493,10 +2474,9 @@
           <a:lstStyle/>
           <a:p>
             <a:r>
-              <a:rPr lang="ko-KR" altLang="en-US" smtClean="0"/>
+              <a:rPr lang="ko-KR" altLang="en-US"/>
               <a:t>마스터 제목 스타일 편집</a:t>
             </a:r>
-            <a:endParaRPr lang="ko-KR" altLang="en-US"/>
           </a:p>
         </p:txBody>
       </p:sp>
@@ -2527,38 +2507,37 @@
           <a:p>
             <a:pPr lvl="0"/>
             <a:r>
-              <a:rPr lang="ko-KR" altLang="en-US" smtClean="0"/>
+              <a:rPr lang="ko-KR" altLang="en-US"/>
               <a:t>마스터 텍스트 스타일 편집</a:t>
             </a:r>
           </a:p>
           <a:p>
             <a:pPr lvl="1"/>
             <a:r>
-              <a:rPr lang="ko-KR" altLang="en-US" smtClean="0"/>
+              <a:rPr lang="ko-KR" altLang="en-US"/>
               <a:t>둘째 수준</a:t>
             </a:r>
           </a:p>
           <a:p>
             <a:pPr lvl="2"/>
             <a:r>
-              <a:rPr lang="ko-KR" altLang="en-US" smtClean="0"/>
+              <a:rPr lang="ko-KR" altLang="en-US"/>
               <a:t>셋째 수준</a:t>
             </a:r>
           </a:p>
           <a:p>
             <a:pPr lvl="3"/>
             <a:r>
-              <a:rPr lang="ko-KR" altLang="en-US" smtClean="0"/>
+              <a:rPr lang="ko-KR" altLang="en-US"/>
               <a:t>넷째 수준</a:t>
             </a:r>
           </a:p>
           <a:p>
             <a:pPr lvl="4"/>
             <a:r>
-              <a:rPr lang="ko-KR" altLang="en-US" smtClean="0"/>
+              <a:rPr lang="ko-KR" altLang="en-US"/>
               <a:t>다섯째 수준</a:t>
             </a:r>
-            <a:endParaRPr lang="ko-KR" altLang="en-US"/>
           </a:p>
         </p:txBody>
       </p:sp>
@@ -2597,7 +2576,7 @@
           <a:p>
             <a:fld id="{B2970B56-F379-468E-8C04-AC3274656B30}" type="datetimeFigureOut">
               <a:rPr lang="ko-KR" altLang="en-US" smtClean="0"/>
-              <a:t>2023-04-11</a:t>
+              <a:t>2023-04-16</a:t>
             </a:fld>
             <a:endParaRPr lang="ko-KR" altLang="en-US"/>
           </a:p>
@@ -3047,7 +3026,7 @@
           <a:p>
             <a:pPr algn="ctr"/>
             <a:r>
-              <a:rPr lang="en-US" altLang="ko-KR" dirty="0" smtClean="0">
+              <a:rPr lang="en-US" altLang="ko-KR" dirty="0">
                 <a:solidFill>
                   <a:schemeClr val="tx1"/>
                 </a:solidFill>
@@ -3072,13 +3051,6 @@
   <p:clrMapOvr>
     <a:masterClrMapping/>
   </p:clrMapOvr>
-  <p:timing>
-    <p:tnLst>
-      <p:par>
-        <p:cTn id="1" dur="indefinite" restart="never" nodeType="tmRoot"/>
-      </p:par>
-    </p:tnLst>
-  </p:timing>
 </p:sld>
 </file>
 
@@ -3168,7 +3140,7 @@
           <a:p>
             <a:pPr algn="ctr"/>
             <a:r>
-              <a:rPr lang="en-US" altLang="ko-KR" sz="1600" dirty="0" smtClean="0">
+              <a:rPr lang="en-US" altLang="ko-KR" sz="1600" dirty="0">
                 <a:solidFill>
                   <a:schemeClr val="tx1"/>
                 </a:solidFill>
@@ -3176,7 +3148,7 @@
               <a:t>DB </a:t>
             </a:r>
             <a:r>
-              <a:rPr lang="ko-KR" altLang="en-US" sz="1600" dirty="0" smtClean="0">
+              <a:rPr lang="ko-KR" altLang="en-US" sz="1600" dirty="0">
                 <a:solidFill>
                   <a:schemeClr val="tx1"/>
                 </a:solidFill>
@@ -3184,7 +3156,7 @@
               <a:t>업그레이드를 진행하는 함수를 만든다</a:t>
             </a:r>
             <a:r>
-              <a:rPr lang="en-US" altLang="ko-KR" sz="1600" dirty="0" smtClean="0">
+              <a:rPr lang="en-US" altLang="ko-KR" sz="1600" dirty="0">
                 <a:solidFill>
                   <a:schemeClr val="tx1"/>
                 </a:solidFill>
@@ -3195,7 +3167,7 @@
           <a:p>
             <a:pPr algn="ctr"/>
             <a:r>
-              <a:rPr lang="ko-KR" altLang="en-US" sz="1600" dirty="0" smtClean="0">
+              <a:rPr lang="ko-KR" altLang="en-US" sz="1600" dirty="0">
                 <a:solidFill>
                   <a:schemeClr val="tx1"/>
                 </a:solidFill>
@@ -3203,7 +3175,7 @@
               <a:t>업그레이드</a:t>
             </a:r>
             <a:r>
-              <a:rPr lang="en-US" altLang="ko-KR" sz="1600" dirty="0" smtClean="0">
+              <a:rPr lang="en-US" altLang="ko-KR" sz="1600" dirty="0">
                 <a:solidFill>
                   <a:schemeClr val="tx1"/>
                 </a:solidFill>
@@ -3211,7 +3183,7 @@
               <a:t>: </a:t>
             </a:r>
             <a:r>
-              <a:rPr lang="ko-KR" altLang="en-US" sz="1600" dirty="0" smtClean="0">
+              <a:rPr lang="ko-KR" altLang="en-US" sz="1600" dirty="0">
                 <a:solidFill>
                   <a:schemeClr val="tx1"/>
                 </a:solidFill>
@@ -3219,7 +3191,7 @@
               <a:t>같은 값이 있으면 하나를 지우고</a:t>
             </a:r>
             <a:r>
-              <a:rPr lang="en-US" altLang="ko-KR" sz="1600" dirty="0" smtClean="0">
+              <a:rPr lang="en-US" altLang="ko-KR" sz="1600" dirty="0">
                 <a:solidFill>
                   <a:schemeClr val="tx1"/>
                 </a:solidFill>
@@ -3227,7 +3199,7 @@
               <a:t>, </a:t>
             </a:r>
             <a:r>
-              <a:rPr lang="ko-KR" altLang="en-US" sz="1600" dirty="0" smtClean="0">
+              <a:rPr lang="ko-KR" altLang="en-US" sz="1600" dirty="0">
                 <a:solidFill>
                   <a:schemeClr val="tx1"/>
                 </a:solidFill>
@@ -3235,7 +3207,7 @@
               <a:t>새 걸 만든다 </a:t>
             </a:r>
             <a:r>
-              <a:rPr lang="en-US" altLang="ko-KR" sz="1600" dirty="0" smtClean="0">
+              <a:rPr lang="en-US" altLang="ko-KR" sz="1600" dirty="0">
                 <a:solidFill>
                   <a:schemeClr val="tx1"/>
                 </a:solidFill>
@@ -3295,7 +3267,7 @@
           <a:p>
             <a:pPr algn="ctr"/>
             <a:r>
-              <a:rPr lang="ko-KR" altLang="en-US" sz="1600" i="1" dirty="0" smtClean="0">
+              <a:rPr lang="ko-KR" altLang="en-US" sz="1600" i="1" dirty="0">
                 <a:solidFill>
                   <a:schemeClr val="tx1"/>
                 </a:solidFill>
@@ -3303,7 +3275,7 @@
               <a:t>실 서버라면 </a:t>
             </a:r>
             <a:r>
-              <a:rPr lang="ko-KR" altLang="en-US" sz="1600" i="1" dirty="0" err="1" smtClean="0">
+              <a:rPr lang="ko-KR" altLang="en-US" sz="1600" i="1" dirty="0" err="1">
                 <a:solidFill>
                   <a:schemeClr val="tx1"/>
                 </a:solidFill>
@@ -3311,18 +3283,13 @@
               <a:t>로직이</a:t>
             </a:r>
             <a:r>
-              <a:rPr lang="ko-KR" altLang="en-US" sz="1600" i="1" dirty="0" smtClean="0">
+              <a:rPr lang="ko-KR" altLang="en-US" sz="1600" i="1" dirty="0">
                 <a:solidFill>
                   <a:schemeClr val="tx1"/>
                 </a:solidFill>
               </a:rPr>
               <a:t> 더 복잡하겠지만 클라이언트에서 쓰는 건데 뭐 어때</a:t>
             </a:r>
-            <a:endParaRPr lang="ko-KR" altLang="en-US" sz="1600" i="1" dirty="0">
-              <a:solidFill>
-                <a:schemeClr val="tx1"/>
-              </a:solidFill>
-            </a:endParaRPr>
           </a:p>
         </p:txBody>
       </p:sp>
@@ -3395,14 +3362,14 @@
           <a:p>
             <a:pPr algn="ctr"/>
             <a:r>
-              <a:rPr lang="ko-KR" altLang="en-US" sz="1400" dirty="0" smtClean="0">
+              <a:rPr lang="ko-KR" altLang="en-US" sz="1400" dirty="0">
                 <a:solidFill>
                   <a:schemeClr val="tx1"/>
                 </a:solidFill>
               </a:rPr>
               <a:t>지금까지 작성한 함수를</a:t>
             </a:r>
-            <a:endParaRPr lang="en-US" altLang="ko-KR" sz="1400" dirty="0" smtClean="0">
+            <a:endParaRPr lang="en-US" altLang="ko-KR" sz="1400" dirty="0">
               <a:solidFill>
                 <a:schemeClr val="tx1"/>
               </a:solidFill>
@@ -3411,18 +3378,13 @@
           <a:p>
             <a:pPr algn="ctr"/>
             <a:r>
-              <a:rPr lang="ko-KR" altLang="en-US" sz="1400" dirty="0" smtClean="0">
+              <a:rPr lang="ko-KR" altLang="en-US" sz="1400" dirty="0">
                 <a:solidFill>
                   <a:schemeClr val="tx1"/>
                 </a:solidFill>
               </a:rPr>
               <a:t>실행</a:t>
             </a:r>
-            <a:endParaRPr lang="ko-KR" altLang="en-US" sz="1400" dirty="0">
-              <a:solidFill>
-                <a:schemeClr val="tx1"/>
-              </a:solidFill>
-            </a:endParaRPr>
           </a:p>
         </p:txBody>
       </p:sp>
@@ -3501,18 +3463,13 @@
           <a:p>
             <a:pPr algn="ctr"/>
             <a:r>
-              <a:rPr lang="ko-KR" altLang="en-US" sz="1600" dirty="0" smtClean="0">
+              <a:rPr lang="ko-KR" altLang="en-US" sz="1600" dirty="0">
                 <a:solidFill>
                   <a:schemeClr val="tx1"/>
                 </a:solidFill>
               </a:rPr>
               <a:t>지금까지의 과정이</a:t>
             </a:r>
-            <a:endParaRPr lang="ko-KR" altLang="en-US" sz="1600" dirty="0">
-              <a:solidFill>
-                <a:schemeClr val="tx1"/>
-              </a:solidFill>
-            </a:endParaRPr>
           </a:p>
         </p:txBody>
       </p:sp>
@@ -3591,7 +3548,7 @@
           <a:p>
             <a:pPr algn="ctr"/>
             <a:r>
-              <a:rPr lang="en-US" altLang="ko-KR" sz="1600" dirty="0" smtClean="0">
+              <a:rPr lang="en-US" altLang="ko-KR" sz="1600" dirty="0">
                 <a:solidFill>
                   <a:schemeClr val="tx1"/>
                 </a:solidFill>
@@ -3651,7 +3608,7 @@
           <a:p>
             <a:pPr algn="ctr"/>
             <a:r>
-              <a:rPr lang="en-US" altLang="ko-KR" sz="1600" dirty="0" smtClean="0">
+              <a:rPr lang="en-US" altLang="ko-KR" sz="1600" dirty="0">
                 <a:solidFill>
                   <a:schemeClr val="tx1"/>
                 </a:solidFill>
@@ -3750,7 +3707,7 @@
           <a:p>
             <a:pPr algn="ctr"/>
             <a:r>
-              <a:rPr lang="en-US" altLang="ko-KR" sz="1600" dirty="0" smtClean="0">
+              <a:rPr lang="en-US" altLang="ko-KR" sz="1600" dirty="0">
                 <a:solidFill>
                   <a:schemeClr val="tx1"/>
                 </a:solidFill>
@@ -3810,7 +3767,7 @@
           <a:p>
             <a:pPr algn="ctr"/>
             <a:r>
-              <a:rPr lang="en-US" altLang="ko-KR" sz="1600" dirty="0" smtClean="0">
+              <a:rPr lang="en-US" altLang="ko-KR" sz="1600" dirty="0">
                 <a:solidFill>
                   <a:schemeClr val="tx1"/>
                 </a:solidFill>
@@ -3818,18 +3775,13 @@
               <a:t>DB</a:t>
             </a:r>
             <a:r>
-              <a:rPr lang="ko-KR" altLang="en-US" sz="1600" dirty="0" smtClean="0">
+              <a:rPr lang="ko-KR" altLang="en-US" sz="1600" dirty="0">
                 <a:solidFill>
                   <a:schemeClr val="tx1"/>
                 </a:solidFill>
               </a:rPr>
               <a:t>생성</a:t>
             </a:r>
-            <a:endParaRPr lang="ko-KR" altLang="en-US" sz="1600" dirty="0">
-              <a:solidFill>
-                <a:schemeClr val="tx1"/>
-              </a:solidFill>
-            </a:endParaRPr>
           </a:p>
         </p:txBody>
       </p:sp>
@@ -3878,18 +3830,13 @@
           <a:p>
             <a:pPr algn="ctr"/>
             <a:r>
-              <a:rPr lang="ko-KR" altLang="en-US" sz="1600" dirty="0" smtClean="0">
+              <a:rPr lang="ko-KR" altLang="en-US" sz="1600" dirty="0">
                 <a:solidFill>
                   <a:schemeClr val="tx1"/>
                 </a:solidFill>
               </a:rPr>
               <a:t>바로 이것</a:t>
             </a:r>
-            <a:endParaRPr lang="ko-KR" altLang="en-US" sz="1600" dirty="0">
-              <a:solidFill>
-                <a:schemeClr val="tx1"/>
-              </a:solidFill>
-            </a:endParaRPr>
           </a:p>
         </p:txBody>
       </p:sp>
@@ -3938,7 +3885,7 @@
           <a:p>
             <a:pPr algn="ctr"/>
             <a:r>
-              <a:rPr lang="en-US" altLang="ko-KR" sz="1600" dirty="0" smtClean="0">
+              <a:rPr lang="en-US" altLang="ko-KR" sz="1600" dirty="0">
                 <a:solidFill>
                   <a:schemeClr val="tx1"/>
                 </a:solidFill>
@@ -3946,7 +3893,7 @@
               <a:t>DB</a:t>
             </a:r>
             <a:r>
-              <a:rPr lang="ko-KR" altLang="en-US" sz="1600" dirty="0" smtClean="0">
+              <a:rPr lang="ko-KR" altLang="en-US" sz="1600" dirty="0">
                 <a:solidFill>
                   <a:schemeClr val="tx1"/>
                 </a:solidFill>
@@ -3954,7 +3901,7 @@
               <a:t>가</a:t>
             </a:r>
             <a:r>
-              <a:rPr lang="en-US" altLang="ko-KR" sz="1600" dirty="0" smtClean="0">
+              <a:rPr lang="en-US" altLang="ko-KR" sz="1600" dirty="0">
                 <a:solidFill>
                   <a:schemeClr val="tx1"/>
                 </a:solidFill>
@@ -3962,7 +3909,7 @@
               <a:t> </a:t>
             </a:r>
             <a:r>
-              <a:rPr lang="ko-KR" altLang="en-US" sz="1600" dirty="0" smtClean="0">
+              <a:rPr lang="ko-KR" altLang="en-US" sz="1600" dirty="0">
                 <a:solidFill>
                   <a:schemeClr val="tx1"/>
                 </a:solidFill>
@@ -3970,7 +3917,7 @@
               <a:t>생성되면 </a:t>
             </a:r>
             <a:r>
-              <a:rPr lang="en-US" altLang="ko-KR" sz="1600" dirty="0" smtClean="0">
+              <a:rPr lang="en-US" altLang="ko-KR" sz="1600" dirty="0">
                 <a:solidFill>
                   <a:schemeClr val="tx1"/>
                 </a:solidFill>
@@ -3978,7 +3925,7 @@
               <a:t>IDBDatabase</a:t>
             </a:r>
             <a:r>
-              <a:rPr lang="ko-KR" altLang="en-US" sz="1600" dirty="0" smtClean="0">
+              <a:rPr lang="ko-KR" altLang="en-US" sz="1600" dirty="0">
                 <a:solidFill>
                   <a:schemeClr val="tx1"/>
                 </a:solidFill>
@@ -3986,7 +3933,7 @@
               <a:t>가 만들어진다</a:t>
             </a:r>
             <a:r>
-              <a:rPr lang="en-US" altLang="ko-KR" sz="1600" dirty="0" smtClean="0">
+              <a:rPr lang="en-US" altLang="ko-KR" sz="1600" dirty="0">
                 <a:solidFill>
                   <a:schemeClr val="tx1"/>
                 </a:solidFill>
@@ -4128,7 +4075,7 @@
           <a:p>
             <a:pPr algn="ctr"/>
             <a:r>
-              <a:rPr lang="en-US" altLang="ko-KR" sz="1600" dirty="0" smtClean="0">
+              <a:rPr lang="en-US" altLang="ko-KR" sz="1600" dirty="0">
                 <a:solidFill>
                   <a:schemeClr val="tx1"/>
                 </a:solidFill>
@@ -4188,7 +4135,7 @@
           <a:p>
             <a:pPr algn="ctr"/>
             <a:r>
-              <a:rPr lang="en-US" altLang="ko-KR" sz="1600" dirty="0" smtClean="0">
+              <a:rPr lang="en-US" altLang="ko-KR" sz="1600" dirty="0">
                 <a:solidFill>
                   <a:schemeClr val="tx1"/>
                 </a:solidFill>
@@ -4287,7 +4234,7 @@
           <a:p>
             <a:pPr algn="ctr"/>
             <a:r>
-              <a:rPr lang="en-US" altLang="ko-KR" sz="1600" dirty="0" smtClean="0">
+              <a:rPr lang="en-US" altLang="ko-KR" sz="1600" dirty="0">
                 <a:solidFill>
                   <a:schemeClr val="tx1"/>
                 </a:solidFill>
@@ -4347,7 +4294,7 @@
           <a:p>
             <a:pPr algn="ctr"/>
             <a:r>
-              <a:rPr lang="en-US" altLang="ko-KR" sz="1600" dirty="0" smtClean="0">
+              <a:rPr lang="en-US" altLang="ko-KR" sz="1600" dirty="0">
                 <a:solidFill>
                   <a:schemeClr val="tx1"/>
                 </a:solidFill>
@@ -4355,18 +4302,13 @@
               <a:t>DB </a:t>
             </a:r>
             <a:r>
-              <a:rPr lang="ko-KR" altLang="en-US" sz="1600" dirty="0" smtClean="0">
+              <a:rPr lang="ko-KR" altLang="en-US" sz="1600" dirty="0">
                 <a:solidFill>
                   <a:schemeClr val="tx1"/>
                 </a:solidFill>
               </a:rPr>
               <a:t>생성</a:t>
             </a:r>
-            <a:endParaRPr lang="ko-KR" altLang="en-US" sz="1600" dirty="0">
-              <a:solidFill>
-                <a:schemeClr val="tx1"/>
-              </a:solidFill>
-            </a:endParaRPr>
           </a:p>
         </p:txBody>
       </p:sp>
@@ -4415,7 +4357,7 @@
           <a:p>
             <a:pPr algn="ctr"/>
             <a:r>
-              <a:rPr lang="en-US" altLang="ko-KR" sz="1600" dirty="0" smtClean="0">
+              <a:rPr lang="en-US" altLang="ko-KR" sz="1600" dirty="0">
                 <a:solidFill>
                   <a:schemeClr val="tx1"/>
                 </a:solidFill>
@@ -4423,7 +4365,7 @@
               <a:t>DB</a:t>
             </a:r>
             <a:r>
-              <a:rPr lang="ko-KR" altLang="en-US" sz="1600" dirty="0" smtClean="0">
+              <a:rPr lang="ko-KR" altLang="en-US" sz="1600" dirty="0">
                 <a:solidFill>
                   <a:schemeClr val="tx1"/>
                 </a:solidFill>
@@ -4431,7 +4373,7 @@
               <a:t>가</a:t>
             </a:r>
             <a:r>
-              <a:rPr lang="en-US" altLang="ko-KR" sz="1600" dirty="0" smtClean="0">
+              <a:rPr lang="en-US" altLang="ko-KR" sz="1600" dirty="0">
                 <a:solidFill>
                   <a:schemeClr val="tx1"/>
                 </a:solidFill>
@@ -4439,7 +4381,7 @@
               <a:t> </a:t>
             </a:r>
             <a:r>
-              <a:rPr lang="ko-KR" altLang="en-US" sz="1600" dirty="0" smtClean="0">
+              <a:rPr lang="ko-KR" altLang="en-US" sz="1600" dirty="0">
                 <a:solidFill>
                   <a:schemeClr val="tx1"/>
                 </a:solidFill>
@@ -4447,7 +4389,7 @@
               <a:t>생성되면 </a:t>
             </a:r>
             <a:r>
-              <a:rPr lang="en-US" altLang="ko-KR" sz="1600" dirty="0" smtClean="0">
+              <a:rPr lang="en-US" altLang="ko-KR" sz="1600" dirty="0">
                 <a:solidFill>
                   <a:schemeClr val="tx1"/>
                 </a:solidFill>
@@ -4455,7 +4397,7 @@
               <a:t>IDBDatabase</a:t>
             </a:r>
             <a:r>
-              <a:rPr lang="ko-KR" altLang="en-US" sz="1600" dirty="0" smtClean="0">
+              <a:rPr lang="ko-KR" altLang="en-US" sz="1600" dirty="0">
                 <a:solidFill>
                   <a:schemeClr val="tx1"/>
                 </a:solidFill>
@@ -4463,7 +4405,7 @@
               <a:t>가 만들어진다</a:t>
             </a:r>
             <a:r>
-              <a:rPr lang="en-US" altLang="ko-KR" sz="1600" dirty="0" smtClean="0">
+              <a:rPr lang="en-US" altLang="ko-KR" sz="1600" dirty="0">
                 <a:solidFill>
                   <a:schemeClr val="tx1"/>
                 </a:solidFill>
@@ -4547,7 +4489,7 @@
           <a:p>
             <a:pPr algn="ctr"/>
             <a:r>
-              <a:rPr lang="en-US" altLang="ko-KR" sz="1600" dirty="0" smtClean="0">
+              <a:rPr lang="en-US" altLang="ko-KR" sz="1600" dirty="0">
                 <a:solidFill>
                   <a:schemeClr val="tx1"/>
                 </a:solidFill>
@@ -4555,18 +4497,13 @@
               <a:t>DB</a:t>
             </a:r>
             <a:r>
-              <a:rPr lang="ko-KR" altLang="en-US" sz="1600" dirty="0" smtClean="0">
+              <a:rPr lang="ko-KR" altLang="en-US" sz="1600" dirty="0">
                 <a:solidFill>
                   <a:schemeClr val="tx1"/>
                 </a:solidFill>
               </a:rPr>
               <a:t>생성</a:t>
             </a:r>
-            <a:endParaRPr lang="ko-KR" altLang="en-US" sz="1600" dirty="0">
-              <a:solidFill>
-                <a:schemeClr val="tx1"/>
-              </a:solidFill>
-            </a:endParaRPr>
           </a:p>
         </p:txBody>
       </p:sp>
@@ -4669,7 +4606,7 @@
           <a:p>
             <a:pPr algn="ctr"/>
             <a:r>
-              <a:rPr lang="en-US" altLang="ko-KR" sz="1600" dirty="0" smtClean="0">
+              <a:rPr lang="en-US" altLang="ko-KR" sz="1600" dirty="0">
                 <a:solidFill>
                   <a:schemeClr val="tx1"/>
                 </a:solidFill>
@@ -4677,18 +4614,13 @@
               <a:t>DB </a:t>
             </a:r>
             <a:r>
-              <a:rPr lang="ko-KR" altLang="en-US" sz="1600" dirty="0" smtClean="0">
+              <a:rPr lang="ko-KR" altLang="en-US" sz="1600" dirty="0">
                 <a:solidFill>
                   <a:schemeClr val="tx1"/>
                 </a:solidFill>
               </a:rPr>
               <a:t>값을 출력하는 함수</a:t>
             </a:r>
-            <a:endParaRPr lang="ko-KR" altLang="en-US" sz="1600" dirty="0">
-              <a:solidFill>
-                <a:schemeClr val="tx1"/>
-              </a:solidFill>
-            </a:endParaRPr>
           </a:p>
         </p:txBody>
       </p:sp>
@@ -4815,7 +4747,7 @@
           <a:p>
             <a:pPr algn="ctr"/>
             <a:r>
-              <a:rPr lang="ko-KR" altLang="en-US" sz="1400" dirty="0" smtClean="0">
+              <a:rPr lang="ko-KR" altLang="en-US" sz="1400" dirty="0">
                 <a:solidFill>
                   <a:schemeClr val="tx1"/>
                 </a:solidFill>
@@ -4823,7 +4755,7 @@
               <a:t>등록버튼을 누르면 </a:t>
             </a:r>
             <a:r>
-              <a:rPr lang="en-US" altLang="ko-KR" sz="1400" dirty="0" smtClean="0">
+              <a:rPr lang="en-US" altLang="ko-KR" sz="1400" dirty="0">
                 <a:solidFill>
                   <a:schemeClr val="tx1"/>
                 </a:solidFill>
@@ -4831,18 +4763,13 @@
               <a:t>DB</a:t>
             </a:r>
             <a:r>
-              <a:rPr lang="ko-KR" altLang="en-US" sz="1400" dirty="0" smtClean="0">
+              <a:rPr lang="ko-KR" altLang="en-US" sz="1400" dirty="0">
                 <a:solidFill>
                   <a:schemeClr val="tx1"/>
                 </a:solidFill>
               </a:rPr>
               <a:t>에 값을 저장하는 함수 </a:t>
             </a:r>
-            <a:endParaRPr lang="ko-KR" altLang="en-US" sz="1400" dirty="0">
-              <a:solidFill>
-                <a:schemeClr val="tx1"/>
-              </a:solidFill>
-            </a:endParaRPr>
           </a:p>
         </p:txBody>
       </p:sp>
@@ -5039,14 +4966,14 @@
           <a:p>
             <a:pPr algn="ctr"/>
             <a:r>
-              <a:rPr lang="ko-KR" altLang="en-US" sz="1400" dirty="0" smtClean="0">
+              <a:rPr lang="ko-KR" altLang="en-US" sz="1400" dirty="0">
                 <a:solidFill>
                   <a:schemeClr val="tx1"/>
                 </a:solidFill>
               </a:rPr>
               <a:t>자료 저장 성공 실패 유무 표시와</a:t>
             </a:r>
-            <a:endParaRPr lang="en-US" altLang="ko-KR" sz="1400" dirty="0" smtClean="0">
+            <a:endParaRPr lang="en-US" altLang="ko-KR" sz="1400" dirty="0">
               <a:solidFill>
                 <a:schemeClr val="tx1"/>
               </a:solidFill>
@@ -5055,7 +4982,7 @@
           <a:p>
             <a:pPr algn="ctr"/>
             <a:r>
-              <a:rPr lang="ko-KR" altLang="en-US" sz="1400" dirty="0" err="1" smtClean="0">
+              <a:rPr lang="ko-KR" altLang="en-US" sz="1400" dirty="0" err="1">
                 <a:solidFill>
                   <a:schemeClr val="tx1"/>
                 </a:solidFill>
@@ -5063,7 +4990,7 @@
               <a:t>트랜젝션과</a:t>
             </a:r>
             <a:r>
-              <a:rPr lang="ko-KR" altLang="en-US" sz="1400" dirty="0" smtClean="0">
+              <a:rPr lang="ko-KR" altLang="en-US" sz="1400" dirty="0">
                 <a:solidFill>
                   <a:schemeClr val="tx1"/>
                 </a:solidFill>
@@ -5071,7 +4998,7 @@
               <a:t> </a:t>
             </a:r>
             <a:r>
-              <a:rPr lang="en-US" altLang="ko-KR" sz="1400" dirty="0" smtClean="0">
+              <a:rPr lang="en-US" altLang="ko-KR" sz="1400" dirty="0">
                 <a:solidFill>
                   <a:schemeClr val="tx1"/>
                 </a:solidFill>
@@ -5079,18 +5006,13 @@
               <a:t>objectStore</a:t>
             </a:r>
             <a:r>
-              <a:rPr lang="ko-KR" altLang="en-US" sz="1400" dirty="0" smtClean="0">
+              <a:rPr lang="ko-KR" altLang="en-US" sz="1400" dirty="0">
                 <a:solidFill>
                   <a:schemeClr val="tx1"/>
                 </a:solidFill>
               </a:rPr>
               <a:t>에 대한 로그 처리</a:t>
             </a:r>
-            <a:endParaRPr lang="ko-KR" altLang="en-US" sz="1400" dirty="0">
-              <a:solidFill>
-                <a:schemeClr val="tx1"/>
-              </a:solidFill>
-            </a:endParaRPr>
           </a:p>
         </p:txBody>
       </p:sp>
@@ -5169,18 +5091,13 @@
           <a:p>
             <a:pPr algn="ctr"/>
             <a:r>
-              <a:rPr lang="ko-KR" altLang="en-US" sz="1600" dirty="0" smtClean="0">
+              <a:rPr lang="ko-KR" altLang="en-US" sz="1600" dirty="0">
                 <a:solidFill>
                   <a:schemeClr val="tx1"/>
                 </a:solidFill>
               </a:rPr>
               <a:t>지금까지의 과정이</a:t>
             </a:r>
-            <a:endParaRPr lang="ko-KR" altLang="en-US" sz="1600" dirty="0">
-              <a:solidFill>
-                <a:schemeClr val="tx1"/>
-              </a:solidFill>
-            </a:endParaRPr>
           </a:p>
         </p:txBody>
       </p:sp>
@@ -5259,7 +5176,7 @@
           <a:p>
             <a:pPr algn="ctr"/>
             <a:r>
-              <a:rPr lang="en-US" altLang="ko-KR" sz="1600" dirty="0" smtClean="0">
+              <a:rPr lang="en-US" altLang="ko-KR" sz="1600" dirty="0">
                 <a:solidFill>
                   <a:schemeClr val="tx1"/>
                 </a:solidFill>
@@ -5319,7 +5236,7 @@
           <a:p>
             <a:pPr algn="ctr"/>
             <a:r>
-              <a:rPr lang="en-US" altLang="ko-KR" sz="1600" dirty="0" smtClean="0">
+              <a:rPr lang="en-US" altLang="ko-KR" sz="1600" dirty="0">
                 <a:solidFill>
                   <a:schemeClr val="tx1"/>
                 </a:solidFill>
@@ -5418,7 +5335,7 @@
           <a:p>
             <a:pPr algn="ctr"/>
             <a:r>
-              <a:rPr lang="en-US" altLang="ko-KR" sz="1600" dirty="0" smtClean="0">
+              <a:rPr lang="en-US" altLang="ko-KR" sz="1600" dirty="0">
                 <a:solidFill>
                   <a:schemeClr val="tx1"/>
                 </a:solidFill>
@@ -5478,7 +5395,7 @@
           <a:p>
             <a:pPr algn="ctr"/>
             <a:r>
-              <a:rPr lang="en-US" altLang="ko-KR" sz="1600" dirty="0" smtClean="0">
+              <a:rPr lang="en-US" altLang="ko-KR" sz="1600" dirty="0">
                 <a:solidFill>
                   <a:schemeClr val="tx1"/>
                 </a:solidFill>
@@ -5486,18 +5403,13 @@
               <a:t>DB</a:t>
             </a:r>
             <a:r>
-              <a:rPr lang="ko-KR" altLang="en-US" sz="1600" dirty="0" smtClean="0">
+              <a:rPr lang="ko-KR" altLang="en-US" sz="1600" dirty="0">
                 <a:solidFill>
                   <a:schemeClr val="tx1"/>
                 </a:solidFill>
               </a:rPr>
               <a:t>생성</a:t>
             </a:r>
-            <a:endParaRPr lang="ko-KR" altLang="en-US" sz="1600" dirty="0">
-              <a:solidFill>
-                <a:schemeClr val="tx1"/>
-              </a:solidFill>
-            </a:endParaRPr>
           </a:p>
         </p:txBody>
       </p:sp>
@@ -5546,18 +5458,13 @@
           <a:p>
             <a:pPr algn="ctr"/>
             <a:r>
-              <a:rPr lang="ko-KR" altLang="en-US" sz="1600" dirty="0" smtClean="0">
+              <a:rPr lang="ko-KR" altLang="en-US" sz="1600" dirty="0">
                 <a:solidFill>
                   <a:schemeClr val="tx1"/>
                 </a:solidFill>
               </a:rPr>
               <a:t>바로 이것</a:t>
             </a:r>
-            <a:endParaRPr lang="ko-KR" altLang="en-US" sz="1600" dirty="0">
-              <a:solidFill>
-                <a:schemeClr val="tx1"/>
-              </a:solidFill>
-            </a:endParaRPr>
           </a:p>
         </p:txBody>
       </p:sp>
@@ -5606,7 +5513,7 @@
           <a:p>
             <a:pPr algn="ctr"/>
             <a:r>
-              <a:rPr lang="en-US" altLang="ko-KR" sz="1600" dirty="0" smtClean="0">
+              <a:rPr lang="en-US" altLang="ko-KR" sz="1600" dirty="0">
                 <a:solidFill>
                   <a:schemeClr val="tx1"/>
                 </a:solidFill>
@@ -5666,7 +5573,7 @@
           <a:p>
             <a:pPr algn="ctr"/>
             <a:r>
-              <a:rPr lang="en-US" altLang="ko-KR" sz="1600" dirty="0" smtClean="0">
+              <a:rPr lang="en-US" altLang="ko-KR" sz="1600" dirty="0">
                 <a:solidFill>
                   <a:schemeClr val="tx1"/>
                 </a:solidFill>
@@ -5726,7 +5633,7 @@
           <a:p>
             <a:pPr algn="ctr"/>
             <a:r>
-              <a:rPr lang="en-US" altLang="ko-KR" sz="1600" dirty="0" smtClean="0">
+              <a:rPr lang="en-US" altLang="ko-KR" sz="1600" dirty="0">
                 <a:solidFill>
                   <a:schemeClr val="tx1"/>
                 </a:solidFill>
@@ -5786,7 +5693,7 @@
           <a:p>
             <a:pPr algn="ctr"/>
             <a:r>
-              <a:rPr lang="en-US" altLang="ko-KR" sz="1600" dirty="0" smtClean="0">
+              <a:rPr lang="en-US" altLang="ko-KR" sz="1600" dirty="0">
                 <a:solidFill>
                   <a:schemeClr val="tx1"/>
                 </a:solidFill>
@@ -5846,7 +5753,7 @@
           <a:p>
             <a:pPr algn="ctr"/>
             <a:r>
-              <a:rPr lang="en-US" altLang="ko-KR" sz="1600" dirty="0" smtClean="0">
+              <a:rPr lang="en-US" altLang="ko-KR" sz="1600" dirty="0">
                 <a:solidFill>
                   <a:schemeClr val="tx1"/>
                 </a:solidFill>
@@ -5906,7 +5813,7 @@
           <a:p>
             <a:pPr algn="ctr"/>
             <a:r>
-              <a:rPr lang="ko-KR" altLang="en-US" sz="1600" dirty="0" err="1" smtClean="0">
+              <a:rPr lang="ko-KR" altLang="en-US" sz="1600" dirty="0" err="1">
                 <a:solidFill>
                   <a:schemeClr val="tx1"/>
                 </a:solidFill>
@@ -5966,7 +5873,7 @@
           <a:p>
             <a:pPr algn="ctr"/>
             <a:r>
-              <a:rPr lang="en-US" altLang="ko-KR" dirty="0" smtClean="0">
+              <a:rPr lang="en-US" altLang="ko-KR" dirty="0">
                 <a:solidFill>
                   <a:schemeClr val="tx1"/>
                 </a:solidFill>
@@ -6026,7 +5933,7 @@
           <a:p>
             <a:pPr algn="ctr"/>
             <a:r>
-              <a:rPr lang="en-US" altLang="ko-KR" dirty="0" smtClean="0">
+              <a:rPr lang="en-US" altLang="ko-KR" dirty="0">
                 <a:solidFill>
                   <a:schemeClr val="tx1"/>
                 </a:solidFill>
@@ -6086,7 +5993,7 @@
           <a:p>
             <a:pPr algn="ctr"/>
             <a:r>
-              <a:rPr lang="ko-KR" altLang="en-US" sz="1600" dirty="0" smtClean="0">
+              <a:rPr lang="ko-KR" altLang="en-US" sz="1600" dirty="0">
                 <a:solidFill>
                   <a:schemeClr val="tx1"/>
                 </a:solidFill>
@@ -6094,7 +6001,7 @@
               <a:t>데이터베이스 사용 </a:t>
             </a:r>
             <a:r>
-              <a:rPr lang="en-US" altLang="ko-KR" sz="1600" dirty="0" smtClean="0">
+              <a:rPr lang="en-US" altLang="ko-KR" sz="1600" dirty="0">
                 <a:solidFill>
                   <a:schemeClr val="tx1"/>
                 </a:solidFill>
@@ -6650,7 +6557,7 @@
           <a:lstStyle/>
           <a:p>
             <a:r>
-              <a:rPr lang="ko-KR" altLang="en-US" sz="1600" dirty="0" smtClean="0">
+              <a:rPr lang="ko-KR" altLang="en-US" sz="1600" dirty="0">
                 <a:solidFill>
                   <a:schemeClr val="tx1"/>
                 </a:solidFill>
@@ -6658,7 +6565,7 @@
               <a:t>간단하게 정리하자면 만든 </a:t>
             </a:r>
             <a:r>
-              <a:rPr lang="en-US" altLang="ko-KR" sz="1600" dirty="0" smtClean="0">
+              <a:rPr lang="en-US" altLang="ko-KR" sz="1600" dirty="0">
                 <a:solidFill>
                   <a:schemeClr val="tx1"/>
                 </a:solidFill>
@@ -6666,7 +6573,7 @@
               <a:t>DB</a:t>
             </a:r>
             <a:r>
-              <a:rPr lang="ko-KR" altLang="en-US" sz="1600" dirty="0" err="1" smtClean="0">
+              <a:rPr lang="ko-KR" altLang="en-US" sz="1600" dirty="0" err="1">
                 <a:solidFill>
                   <a:schemeClr val="tx1"/>
                 </a:solidFill>
@@ -6674,7 +6581,7 @@
               <a:t>를</a:t>
             </a:r>
             <a:r>
-              <a:rPr lang="ko-KR" altLang="en-US" sz="1600" dirty="0" smtClean="0">
+              <a:rPr lang="ko-KR" altLang="en-US" sz="1600" dirty="0">
                 <a:solidFill>
                   <a:schemeClr val="tx1"/>
                 </a:solidFill>
@@ -6682,7 +6589,7 @@
               <a:t> 이용</a:t>
             </a:r>
             <a:r>
-              <a:rPr lang="en-US" altLang="ko-KR" sz="1600" dirty="0" smtClean="0">
+              <a:rPr lang="en-US" altLang="ko-KR" sz="1600" dirty="0">
                 <a:solidFill>
                   <a:schemeClr val="tx1"/>
                 </a:solidFill>
@@ -6692,7 +6599,7 @@
           </a:p>
           <a:p>
             <a:r>
-              <a:rPr lang="en-US" altLang="ko-KR" sz="1400" dirty="0" smtClean="0">
+              <a:rPr lang="en-US" altLang="ko-KR" sz="1400" dirty="0">
                 <a:solidFill>
                   <a:schemeClr val="tx1"/>
                 </a:solidFill>
@@ -6700,14 +6607,14 @@
               <a:t>1. Transaction</a:t>
             </a:r>
             <a:r>
-              <a:rPr lang="ko-KR" altLang="en-US" sz="1400" dirty="0" smtClean="0">
+              <a:rPr lang="ko-KR" altLang="en-US" sz="1400" dirty="0">
                 <a:solidFill>
                   <a:schemeClr val="tx1"/>
                 </a:solidFill>
               </a:rPr>
               <a:t>을 통해서</a:t>
             </a:r>
-            <a:endParaRPr lang="en-US" altLang="ko-KR" sz="1400" dirty="0" smtClean="0">
+            <a:endParaRPr lang="en-US" altLang="ko-KR" sz="1400" dirty="0">
               <a:solidFill>
                 <a:schemeClr val="tx1"/>
               </a:solidFill>
@@ -6715,7 +6622,7 @@
           </a:p>
           <a:p>
             <a:r>
-              <a:rPr lang="en-US" altLang="ko-KR" sz="1400" dirty="0" smtClean="0">
+              <a:rPr lang="en-US" altLang="ko-KR" sz="1400" dirty="0">
                 <a:solidFill>
                   <a:schemeClr val="tx1"/>
                 </a:solidFill>
@@ -6723,7 +6630,7 @@
               <a:t>2. Objectstore</a:t>
             </a:r>
             <a:r>
-              <a:rPr lang="ko-KR" altLang="en-US" sz="1400" dirty="0" smtClean="0">
+              <a:rPr lang="ko-KR" altLang="en-US" sz="1400" dirty="0">
                 <a:solidFill>
                   <a:schemeClr val="tx1"/>
                 </a:solidFill>
@@ -6731,7 +6638,7 @@
               <a:t>에 접근 하고</a:t>
             </a:r>
             <a:r>
-              <a:rPr lang="en-US" altLang="ko-KR" sz="1400" dirty="0" smtClean="0">
+              <a:rPr lang="en-US" altLang="ko-KR" sz="1400" dirty="0">
                 <a:solidFill>
                   <a:schemeClr val="tx1"/>
                 </a:solidFill>
@@ -6741,7 +6648,7 @@
           </a:p>
           <a:p>
             <a:r>
-              <a:rPr lang="en-US" altLang="ko-KR" sz="1400" dirty="0" smtClean="0">
+              <a:rPr lang="en-US" altLang="ko-KR" sz="1400" dirty="0">
                 <a:solidFill>
                   <a:schemeClr val="tx1"/>
                 </a:solidFill>
@@ -6749,14 +6656,14 @@
               <a:t>3. IndexedDB</a:t>
             </a:r>
             <a:r>
-              <a:rPr lang="ko-KR" altLang="en-US" sz="1400" dirty="0" smtClean="0">
+              <a:rPr lang="ko-KR" altLang="en-US" sz="1400" dirty="0">
                 <a:solidFill>
                   <a:schemeClr val="tx1"/>
                 </a:solidFill>
               </a:rPr>
               <a:t>에 요청을 보낸 뒤</a:t>
             </a:r>
-            <a:endParaRPr lang="en-US" altLang="ko-KR" sz="1400" dirty="0" smtClean="0">
+            <a:endParaRPr lang="en-US" altLang="ko-KR" sz="1400" dirty="0">
               <a:solidFill>
                 <a:schemeClr val="tx1"/>
               </a:solidFill>
@@ -6764,7 +6671,7 @@
           </a:p>
           <a:p>
             <a:r>
-              <a:rPr lang="en-US" altLang="ko-KR" sz="1400" dirty="0" smtClean="0">
+              <a:rPr lang="en-US" altLang="ko-KR" sz="1400" dirty="0">
                 <a:solidFill>
                   <a:schemeClr val="tx1"/>
                 </a:solidFill>
@@ -6772,7 +6679,7 @@
               <a:t>4. </a:t>
             </a:r>
             <a:r>
-              <a:rPr lang="ko-KR" altLang="en-US" sz="1400" dirty="0" smtClean="0">
+              <a:rPr lang="ko-KR" altLang="en-US" sz="1400" dirty="0">
                 <a:solidFill>
                   <a:schemeClr val="tx1"/>
                 </a:solidFill>
@@ -6780,7 +6687,7 @@
               <a:t>요청이 성공 시 </a:t>
             </a:r>
             <a:r>
-              <a:rPr lang="en-US" altLang="ko-KR" sz="1400" dirty="0" smtClean="0">
+              <a:rPr lang="en-US" altLang="ko-KR" sz="1400" dirty="0">
                 <a:solidFill>
                   <a:schemeClr val="tx1"/>
                 </a:solidFill>
@@ -6788,14 +6695,14 @@
               <a:t>DB </a:t>
             </a:r>
             <a:r>
-              <a:rPr lang="ko-KR" altLang="en-US" sz="1400" dirty="0" smtClean="0">
+              <a:rPr lang="ko-KR" altLang="en-US" sz="1400" dirty="0">
                 <a:solidFill>
                   <a:schemeClr val="tx1"/>
                 </a:solidFill>
               </a:rPr>
               <a:t>내부의 값이 바뀌어</a:t>
             </a:r>
-            <a:endParaRPr lang="en-US" altLang="ko-KR" sz="1400" dirty="0" smtClean="0">
+            <a:endParaRPr lang="en-US" altLang="ko-KR" sz="1400" dirty="0">
               <a:solidFill>
                 <a:schemeClr val="tx1"/>
               </a:solidFill>
@@ -6803,7 +6710,7 @@
           </a:p>
           <a:p>
             <a:r>
-              <a:rPr lang="en-US" altLang="ko-KR" sz="1400" dirty="0" smtClean="0">
+              <a:rPr lang="en-US" altLang="ko-KR" sz="1400" dirty="0">
                 <a:solidFill>
                   <a:schemeClr val="tx1"/>
                 </a:solidFill>
@@ -6811,7 +6718,7 @@
               <a:t>5. </a:t>
             </a:r>
             <a:r>
-              <a:rPr lang="ko-KR" altLang="en-US" sz="1400" dirty="0" smtClean="0">
+              <a:rPr lang="ko-KR" altLang="en-US" sz="1400" dirty="0">
                 <a:solidFill>
                   <a:schemeClr val="tx1"/>
                 </a:solidFill>
@@ -6819,7 +6726,7 @@
               <a:t>작업이 완료된다</a:t>
             </a:r>
             <a:r>
-              <a:rPr lang="en-US" altLang="ko-KR" sz="1400" dirty="0" smtClean="0">
+              <a:rPr lang="en-US" altLang="ko-KR" sz="1400" dirty="0">
                 <a:solidFill>
                   <a:schemeClr val="tx1"/>
                 </a:solidFill>
@@ -6909,18 +6816,13 @@
           <a:p>
             <a:pPr algn="ctr"/>
             <a:r>
-              <a:rPr lang="ko-KR" altLang="en-US" sz="1600" dirty="0" smtClean="0">
+              <a:rPr lang="ko-KR" altLang="en-US" sz="1600" dirty="0">
                 <a:solidFill>
                   <a:schemeClr val="tx1"/>
                 </a:solidFill>
               </a:rPr>
               <a:t>여기서 더 심화학습을 하자면</a:t>
             </a:r>
-            <a:endParaRPr lang="ko-KR" altLang="en-US" sz="1600" dirty="0">
-              <a:solidFill>
-                <a:schemeClr val="tx1"/>
-              </a:solidFill>
-            </a:endParaRPr>
           </a:p>
         </p:txBody>
       </p:sp>
@@ -6999,7 +6901,7 @@
           <a:p>
             <a:pPr algn="ctr"/>
             <a:r>
-              <a:rPr lang="en-US" altLang="ko-KR" dirty="0" smtClean="0">
+              <a:rPr lang="en-US" altLang="ko-KR" dirty="0">
                 <a:solidFill>
                   <a:schemeClr val="tx1"/>
                 </a:solidFill>
@@ -7024,13 +6926,6 @@
   <p:clrMapOvr>
     <a:masterClrMapping/>
   </p:clrMapOvr>
-  <p:timing>
-    <p:tnLst>
-      <p:par>
-        <p:cTn id="1" dur="indefinite" restart="never" nodeType="tmRoot"/>
-      </p:par>
-    </p:tnLst>
-  </p:timing>
 </p:sld>
 </file>
 
@@ -7120,7 +7015,7 @@
           <a:p>
             <a:pPr algn="ctr"/>
             <a:r>
-              <a:rPr lang="ko-KR" altLang="en-US" sz="1400" dirty="0" smtClean="0">
+              <a:rPr lang="ko-KR" altLang="en-US" sz="1400" dirty="0">
                 <a:solidFill>
                   <a:schemeClr val="tx1"/>
                 </a:solidFill>
@@ -7128,7 +7023,7 @@
               <a:t>등록만 해볼 게 아니라</a:t>
             </a:r>
             <a:r>
-              <a:rPr lang="en-US" altLang="ko-KR" sz="1400" dirty="0" smtClean="0">
+              <a:rPr lang="en-US" altLang="ko-KR" sz="1400" dirty="0">
                 <a:solidFill>
                   <a:schemeClr val="tx1"/>
                 </a:solidFill>
@@ -7136,7 +7031,7 @@
               <a:t>, </a:t>
             </a:r>
             <a:r>
-              <a:rPr lang="ko-KR" altLang="en-US" sz="1400" dirty="0" smtClean="0">
+              <a:rPr lang="ko-KR" altLang="en-US" sz="1400" dirty="0">
                 <a:solidFill>
                   <a:schemeClr val="tx1"/>
                 </a:solidFill>
@@ -7144,7 +7039,7 @@
               <a:t>값 전체 조회</a:t>
             </a:r>
             <a:r>
-              <a:rPr lang="en-US" altLang="ko-KR" sz="1400" dirty="0" smtClean="0">
+              <a:rPr lang="en-US" altLang="ko-KR" sz="1400" dirty="0">
                 <a:solidFill>
                   <a:schemeClr val="tx1"/>
                 </a:solidFill>
@@ -7152,7 +7047,7 @@
               <a:t>, </a:t>
             </a:r>
             <a:r>
-              <a:rPr lang="ko-KR" altLang="en-US" sz="1400" dirty="0" smtClean="0">
+              <a:rPr lang="ko-KR" altLang="en-US" sz="1400" dirty="0">
                 <a:solidFill>
                   <a:schemeClr val="tx1"/>
                 </a:solidFill>
@@ -7160,7 +7055,7 @@
               <a:t>조회</a:t>
             </a:r>
             <a:r>
-              <a:rPr lang="en-US" altLang="ko-KR" sz="1400" dirty="0" smtClean="0">
+              <a:rPr lang="en-US" altLang="ko-KR" sz="1400" dirty="0">
                 <a:solidFill>
                   <a:schemeClr val="tx1"/>
                 </a:solidFill>
@@ -7168,7 +7063,7 @@
               <a:t>, </a:t>
             </a:r>
             <a:r>
-              <a:rPr lang="ko-KR" altLang="en-US" sz="1400" dirty="0" smtClean="0">
+              <a:rPr lang="ko-KR" altLang="en-US" sz="1400" dirty="0">
                 <a:solidFill>
                   <a:schemeClr val="tx1"/>
                 </a:solidFill>
@@ -7176,7 +7071,7 @@
               <a:t>삭제도 할 수 있다</a:t>
             </a:r>
             <a:r>
-              <a:rPr lang="en-US" altLang="ko-KR" sz="1400" dirty="0" smtClean="0">
+              <a:rPr lang="en-US" altLang="ko-KR" sz="1400" dirty="0">
                 <a:solidFill>
                   <a:schemeClr val="tx1"/>
                 </a:solidFill>
@@ -7290,18 +7185,13 @@
           <a:p>
             <a:pPr algn="ctr"/>
             <a:r>
-              <a:rPr lang="ko-KR" altLang="en-US" sz="1400" dirty="0" smtClean="0">
+              <a:rPr lang="ko-KR" altLang="en-US" sz="1400" dirty="0">
                 <a:solidFill>
                   <a:schemeClr val="tx1"/>
                 </a:solidFill>
               </a:rPr>
               <a:t>전체 조회 버튼을 눌렀을 때</a:t>
             </a:r>
-            <a:endParaRPr lang="ko-KR" altLang="en-US" sz="1400" dirty="0">
-              <a:solidFill>
-                <a:schemeClr val="tx1"/>
-              </a:solidFill>
-            </a:endParaRPr>
           </a:p>
         </p:txBody>
       </p:sp>
@@ -7404,18 +7294,13 @@
           <a:p>
             <a:pPr algn="ctr"/>
             <a:r>
-              <a:rPr lang="ko-KR" altLang="en-US" sz="1400" dirty="0" smtClean="0">
+              <a:rPr lang="ko-KR" altLang="en-US" sz="1400" dirty="0">
                 <a:solidFill>
                   <a:schemeClr val="tx1"/>
                 </a:solidFill>
               </a:rPr>
               <a:t>조회 버튼을 눌렀을 때</a:t>
             </a:r>
-            <a:endParaRPr lang="ko-KR" altLang="en-US" sz="1400" dirty="0">
-              <a:solidFill>
-                <a:schemeClr val="tx1"/>
-              </a:solidFill>
-            </a:endParaRPr>
           </a:p>
         </p:txBody>
       </p:sp>
@@ -7518,18 +7403,13 @@
           <a:p>
             <a:pPr algn="ctr"/>
             <a:r>
-              <a:rPr lang="ko-KR" altLang="en-US" sz="1400" dirty="0" smtClean="0">
+              <a:rPr lang="ko-KR" altLang="en-US" sz="1400" dirty="0">
                 <a:solidFill>
                   <a:schemeClr val="tx1"/>
                 </a:solidFill>
               </a:rPr>
               <a:t>삭제 버튼을 눌렀을 때</a:t>
             </a:r>
-            <a:endParaRPr lang="ko-KR" altLang="en-US" sz="1400" dirty="0">
-              <a:solidFill>
-                <a:schemeClr val="tx1"/>
-              </a:solidFill>
-            </a:endParaRPr>
           </a:p>
         </p:txBody>
       </p:sp>
@@ -7608,7 +7488,7 @@
           <a:p>
             <a:pPr algn="ctr"/>
             <a:r>
-              <a:rPr lang="ko-KR" altLang="en-US" dirty="0" smtClean="0">
+              <a:rPr lang="ko-KR" altLang="en-US" dirty="0">
                 <a:solidFill>
                   <a:schemeClr val="tx1"/>
                 </a:solidFill>
@@ -7616,7 +7496,7 @@
               <a:t>왜 이걸 가르치죠</a:t>
             </a:r>
             <a:r>
-              <a:rPr lang="en-US" altLang="ko-KR" dirty="0" smtClean="0">
+              <a:rPr lang="en-US" altLang="ko-KR" dirty="0">
                 <a:solidFill>
                   <a:schemeClr val="tx1"/>
                 </a:solidFill>
@@ -7706,7 +7586,7 @@
           <a:p>
             <a:pPr algn="ctr"/>
             <a:r>
-              <a:rPr lang="ko-KR" altLang="en-US" sz="1400" i="1" dirty="0" smtClean="0">
+              <a:rPr lang="ko-KR" altLang="en-US" sz="1400" i="1" dirty="0">
                 <a:solidFill>
                   <a:schemeClr val="tx1"/>
                 </a:solidFill>
@@ -7714,15 +7594,15 @@
               <a:t>이제는 </a:t>
             </a:r>
             <a:r>
-              <a:rPr lang="ko-KR" altLang="en-US" sz="1400" i="1" dirty="0" err="1" smtClean="0">
-                <a:solidFill>
-                  <a:schemeClr val="tx1"/>
-                </a:solidFill>
-              </a:rPr>
-              <a:t>백엔드에서</a:t>
-            </a:r>
-            <a:r>
-              <a:rPr lang="ko-KR" altLang="en-US" sz="1400" i="1" dirty="0" smtClean="0">
+              <a:rPr lang="ko-KR" altLang="en-US" sz="1400" i="1" dirty="0" err="1">
+                <a:solidFill>
+                  <a:schemeClr val="tx1"/>
+                </a:solidFill>
+              </a:rPr>
+              <a:t>백엔드와의</a:t>
+            </a:r>
+            <a:r>
+              <a:rPr lang="ko-KR" altLang="en-US" sz="1400" i="1" dirty="0">
                 <a:solidFill>
                   <a:schemeClr val="tx1"/>
                 </a:solidFill>
@@ -7730,7 +7610,7 @@
               <a:t> 통신 없이 </a:t>
             </a:r>
             <a:r>
-              <a:rPr lang="ko-KR" altLang="en-US" sz="1400" i="1" dirty="0" err="1" smtClean="0">
+              <a:rPr lang="ko-KR" altLang="en-US" sz="1400" i="1" dirty="0" err="1">
                 <a:solidFill>
                   <a:schemeClr val="tx1"/>
                 </a:solidFill>
@@ -7738,18 +7618,13 @@
               <a:t>프론트엔드에서</a:t>
             </a:r>
             <a:r>
-              <a:rPr lang="ko-KR" altLang="en-US" sz="1400" i="1" dirty="0" smtClean="0">
+              <a:rPr lang="ko-KR" altLang="en-US" sz="1400" i="1" dirty="0">
                 <a:solidFill>
                   <a:schemeClr val="tx1"/>
                 </a:solidFill>
               </a:rPr>
               <a:t> 데이터를 들고 서비스를 유지하는 것이 가능해짐</a:t>
             </a:r>
-            <a:endParaRPr lang="ko-KR" altLang="en-US" sz="1400" i="1" dirty="0">
-              <a:solidFill>
-                <a:schemeClr val="tx1"/>
-              </a:solidFill>
-            </a:endParaRPr>
           </a:p>
         </p:txBody>
       </p:sp>
@@ -7798,7 +7673,7 @@
           <a:p>
             <a:pPr algn="ctr"/>
             <a:r>
-              <a:rPr lang="ko-KR" altLang="en-US" i="1" dirty="0" smtClean="0">
+              <a:rPr lang="ko-KR" altLang="en-US" i="1" dirty="0">
                 <a:solidFill>
                   <a:schemeClr val="tx1"/>
                 </a:solidFill>
@@ -7806,7 +7681,7 @@
               <a:t>옛날에는 </a:t>
             </a:r>
             <a:r>
-              <a:rPr lang="ko-KR" altLang="en-US" i="1" dirty="0" err="1" smtClean="0">
+              <a:rPr lang="ko-KR" altLang="en-US" i="1" dirty="0" err="1">
                 <a:solidFill>
                   <a:schemeClr val="tx1"/>
                 </a:solidFill>
@@ -7814,7 +7689,7 @@
               <a:t>백엔드가</a:t>
             </a:r>
             <a:r>
-              <a:rPr lang="ko-KR" altLang="en-US" i="1" dirty="0" smtClean="0">
+              <a:rPr lang="ko-KR" altLang="en-US" i="1" dirty="0">
                 <a:solidFill>
                   <a:schemeClr val="tx1"/>
                 </a:solidFill>
@@ -7822,7 +7697,7 @@
               <a:t> 있어야 </a:t>
             </a:r>
             <a:r>
-              <a:rPr lang="ko-KR" altLang="en-US" i="1" dirty="0" err="1" smtClean="0">
+              <a:rPr lang="ko-KR" altLang="en-US" i="1" dirty="0" err="1">
                 <a:solidFill>
                   <a:schemeClr val="tx1"/>
                 </a:solidFill>
@@ -7830,18 +7705,13 @@
               <a:t>프론트엔드가</a:t>
             </a:r>
             <a:r>
-              <a:rPr lang="ko-KR" altLang="en-US" i="1" dirty="0" smtClean="0">
+              <a:rPr lang="ko-KR" altLang="en-US" i="1" dirty="0">
                 <a:solidFill>
                   <a:schemeClr val="tx1"/>
                 </a:solidFill>
               </a:rPr>
               <a:t> 동작했는데</a:t>
             </a:r>
-            <a:endParaRPr lang="ko-KR" altLang="en-US" i="1" dirty="0">
-              <a:solidFill>
-                <a:schemeClr val="tx1"/>
-              </a:solidFill>
-            </a:endParaRPr>
           </a:p>
         </p:txBody>
       </p:sp>
@@ -7890,7 +7760,7 @@
           <a:p>
             <a:pPr algn="ctr"/>
             <a:r>
-              <a:rPr lang="ko-KR" altLang="en-US" i="1" dirty="0" err="1" smtClean="0">
+              <a:rPr lang="ko-KR" altLang="en-US" i="1" dirty="0" err="1">
                 <a:solidFill>
                   <a:schemeClr val="tx1"/>
                 </a:solidFill>
@@ -7898,18 +7768,13 @@
               <a:t>백엔드에서는</a:t>
             </a:r>
             <a:r>
-              <a:rPr lang="ko-KR" altLang="en-US" i="1" dirty="0" smtClean="0">
+              <a:rPr lang="ko-KR" altLang="en-US" i="1" dirty="0">
                 <a:solidFill>
                   <a:schemeClr val="tx1"/>
                 </a:solidFill>
               </a:rPr>
               <a:t> 통신에 대한 부하가 줄어드니 좋고 </a:t>
             </a:r>
-            <a:endParaRPr lang="ko-KR" altLang="en-US" i="1" dirty="0">
-              <a:solidFill>
-                <a:schemeClr val="tx1"/>
-              </a:solidFill>
-            </a:endParaRPr>
           </a:p>
         </p:txBody>
       </p:sp>
@@ -7958,7 +7823,7 @@
           <a:p>
             <a:pPr algn="ctr"/>
             <a:r>
-              <a:rPr lang="en-US" altLang="ko-KR" i="1" dirty="0" smtClean="0">
+              <a:rPr lang="en-US" altLang="ko-KR" i="1" dirty="0">
                 <a:solidFill>
                   <a:schemeClr val="tx1"/>
                 </a:solidFill>
@@ -7966,18 +7831,13 @@
               <a:t>MSA</a:t>
             </a:r>
             <a:r>
-              <a:rPr lang="ko-KR" altLang="en-US" i="1" dirty="0" smtClean="0">
+              <a:rPr lang="ko-KR" altLang="en-US" i="1" dirty="0">
                 <a:solidFill>
                   <a:schemeClr val="tx1"/>
                 </a:solidFill>
               </a:rPr>
               <a:t>가 도입되면서 저 철칙이 깨짐</a:t>
             </a:r>
-            <a:endParaRPr lang="ko-KR" altLang="en-US" i="1" dirty="0">
-              <a:solidFill>
-                <a:schemeClr val="tx1"/>
-              </a:solidFill>
-            </a:endParaRPr>
           </a:p>
         </p:txBody>
       </p:sp>
@@ -8026,7 +7886,7 @@
           <a:p>
             <a:pPr algn="ctr"/>
             <a:r>
-              <a:rPr lang="ko-KR" altLang="en-US" sz="1600" i="1" dirty="0" smtClean="0">
+              <a:rPr lang="ko-KR" altLang="en-US" sz="1600" i="1" dirty="0">
                 <a:solidFill>
                   <a:schemeClr val="tx1"/>
                 </a:solidFill>
@@ -8034,7 +7894,7 @@
               <a:t>브라우저에서 페이지를 </a:t>
             </a:r>
             <a:r>
-              <a:rPr lang="ko-KR" altLang="en-US" sz="1600" i="1" dirty="0" err="1" smtClean="0">
+              <a:rPr lang="ko-KR" altLang="en-US" sz="1600" i="1" dirty="0" err="1">
                 <a:solidFill>
                   <a:schemeClr val="tx1"/>
                 </a:solidFill>
@@ -8042,18 +7902,13 @@
               <a:t>캐싱하고</a:t>
             </a:r>
             <a:r>
-              <a:rPr lang="ko-KR" altLang="en-US" sz="1600" i="1" dirty="0" smtClean="0">
+              <a:rPr lang="ko-KR" altLang="en-US" sz="1600" i="1" dirty="0">
                 <a:solidFill>
                   <a:schemeClr val="tx1"/>
                 </a:solidFill>
               </a:rPr>
               <a:t> 있다면 사용자들은 더 편하게 사용할 수 있음</a:t>
             </a:r>
-            <a:endParaRPr lang="ko-KR" altLang="en-US" sz="1600" i="1" dirty="0">
-              <a:solidFill>
-                <a:schemeClr val="tx1"/>
-              </a:solidFill>
-            </a:endParaRPr>
           </a:p>
         </p:txBody>
       </p:sp>
@@ -8102,7 +7957,7 @@
           <a:p>
             <a:pPr algn="ctr"/>
             <a:r>
-              <a:rPr lang="ko-KR" altLang="en-US" sz="1600" i="1" dirty="0" smtClean="0">
+              <a:rPr lang="ko-KR" altLang="en-US" sz="1600" i="1" dirty="0">
                 <a:solidFill>
                   <a:schemeClr val="tx1"/>
                 </a:solidFill>
@@ -8110,7 +7965,7 @@
               <a:t>이건 </a:t>
             </a:r>
             <a:r>
-              <a:rPr lang="ko-KR" altLang="en-US" sz="1600" i="1" dirty="0" err="1" smtClean="0">
+              <a:rPr lang="ko-KR" altLang="en-US" sz="1600" i="1" dirty="0" err="1">
                 <a:solidFill>
                   <a:schemeClr val="tx1"/>
                 </a:solidFill>
@@ -8118,7 +7973,7 @@
               <a:t>닭잡는</a:t>
             </a:r>
             <a:r>
-              <a:rPr lang="ko-KR" altLang="en-US" sz="1600" i="1" dirty="0" smtClean="0">
+              <a:rPr lang="ko-KR" altLang="en-US" sz="1600" i="1" dirty="0">
                 <a:solidFill>
                   <a:schemeClr val="tx1"/>
                 </a:solidFill>
@@ -8126,7 +7981,7 @@
               <a:t> 칼이 아님</a:t>
             </a:r>
             <a:r>
-              <a:rPr lang="en-US" altLang="ko-KR" sz="1600" i="1" dirty="0" smtClean="0">
+              <a:rPr lang="en-US" altLang="ko-KR" sz="1600" i="1" dirty="0">
                 <a:solidFill>
                   <a:schemeClr val="tx1"/>
                 </a:solidFill>
@@ -8134,7 +7989,7 @@
               <a:t>. </a:t>
             </a:r>
             <a:r>
-              <a:rPr lang="ko-KR" altLang="en-US" sz="1600" i="1" dirty="0" err="1" smtClean="0">
+              <a:rPr lang="ko-KR" altLang="en-US" sz="1600" i="1" dirty="0" err="1">
                 <a:solidFill>
                   <a:schemeClr val="tx1"/>
                 </a:solidFill>
@@ -8142,7 +7997,7 @@
               <a:t>소잡는</a:t>
             </a:r>
             <a:r>
-              <a:rPr lang="ko-KR" altLang="en-US" sz="1600" i="1" dirty="0" smtClean="0">
+              <a:rPr lang="ko-KR" altLang="en-US" sz="1600" i="1" dirty="0">
                 <a:solidFill>
                   <a:schemeClr val="tx1"/>
                 </a:solidFill>
@@ -8150,7 +8005,7 @@
               <a:t> </a:t>
             </a:r>
             <a:r>
-              <a:rPr lang="ko-KR" altLang="en-US" sz="1600" i="1" dirty="0" err="1" smtClean="0">
+              <a:rPr lang="ko-KR" altLang="en-US" sz="1600" i="1" dirty="0" err="1">
                 <a:solidFill>
                   <a:schemeClr val="tx1"/>
                 </a:solidFill>
@@ -8158,7 +8013,7 @@
               <a:t>칼임</a:t>
             </a:r>
             <a:r>
-              <a:rPr lang="en-US" altLang="ko-KR" sz="1600" i="1" dirty="0" smtClean="0">
+              <a:rPr lang="en-US" altLang="ko-KR" sz="1600" i="1" dirty="0">
                 <a:solidFill>
                   <a:schemeClr val="tx1"/>
                 </a:solidFill>
@@ -8166,7 +8021,7 @@
               <a:t>. </a:t>
             </a:r>
             <a:r>
-              <a:rPr lang="ko-KR" altLang="en-US" sz="1600" i="1" dirty="0" smtClean="0">
+              <a:rPr lang="ko-KR" altLang="en-US" sz="1600" i="1" dirty="0">
                 <a:solidFill>
                   <a:schemeClr val="tx1"/>
                 </a:solidFill>
@@ -8174,7 +8029,7 @@
               <a:t>복잡한 페이지를 만들어야 할 때 쓰는 것임</a:t>
             </a:r>
             <a:r>
-              <a:rPr lang="en-US" altLang="ko-KR" sz="1600" i="1" dirty="0" smtClean="0">
+              <a:rPr lang="en-US" altLang="ko-KR" sz="1600" i="1" dirty="0">
                 <a:solidFill>
                   <a:schemeClr val="tx1"/>
                 </a:solidFill>
@@ -8264,7 +8119,7 @@
           <a:p>
             <a:pPr algn="ctr"/>
             <a:r>
-              <a:rPr lang="en-US" altLang="ko-KR" sz="1600" dirty="0" smtClean="0">
+              <a:rPr lang="en-US" altLang="ko-KR" sz="1600" dirty="0">
                 <a:solidFill>
                   <a:schemeClr val="tx1"/>
                 </a:solidFill>
@@ -8376,7 +8231,7 @@
           <a:p>
             <a:pPr algn="ctr"/>
             <a:r>
-              <a:rPr lang="en-US" altLang="ko-KR" sz="1600" dirty="0" smtClean="0">
+              <a:rPr lang="en-US" altLang="ko-KR" sz="1600" dirty="0">
                 <a:solidFill>
                   <a:schemeClr val="tx1"/>
                 </a:solidFill>
@@ -8436,7 +8291,7 @@
           <a:p>
             <a:pPr algn="ctr"/>
             <a:r>
-              <a:rPr lang="en-US" altLang="ko-KR" sz="1600" dirty="0" smtClean="0">
+              <a:rPr lang="en-US" altLang="ko-KR" sz="1600" dirty="0">
                 <a:solidFill>
                   <a:schemeClr val="tx1"/>
                 </a:solidFill>
@@ -8496,7 +8351,7 @@
           <a:p>
             <a:pPr algn="ctr"/>
             <a:r>
-              <a:rPr lang="en-US" altLang="ko-KR" sz="1600" dirty="0" smtClean="0">
+              <a:rPr lang="en-US" altLang="ko-KR" sz="1600" dirty="0">
                 <a:solidFill>
                   <a:schemeClr val="tx1"/>
                 </a:solidFill>
@@ -8556,7 +8411,7 @@
           <a:p>
             <a:pPr algn="ctr"/>
             <a:r>
-              <a:rPr lang="en-US" altLang="ko-KR" sz="1600" dirty="0" smtClean="0">
+              <a:rPr lang="en-US" altLang="ko-KR" sz="1600" dirty="0">
                 <a:solidFill>
                   <a:schemeClr val="tx1"/>
                 </a:solidFill>
@@ -8616,7 +8471,7 @@
           <a:p>
             <a:pPr algn="ctr"/>
             <a:r>
-              <a:rPr lang="en-US" altLang="ko-KR" sz="1600" dirty="0" smtClean="0">
+              <a:rPr lang="en-US" altLang="ko-KR" sz="1600" dirty="0">
                 <a:solidFill>
                   <a:schemeClr val="tx1"/>
                 </a:solidFill>
@@ -8676,7 +8531,7 @@
           <a:p>
             <a:pPr algn="ctr"/>
             <a:r>
-              <a:rPr lang="en-US" altLang="ko-KR" sz="1600" dirty="0" smtClean="0">
+              <a:rPr lang="en-US" altLang="ko-KR" sz="1600" dirty="0">
                 <a:solidFill>
                   <a:schemeClr val="tx1"/>
                 </a:solidFill>
@@ -8736,7 +8591,7 @@
           <a:p>
             <a:pPr algn="ctr"/>
             <a:r>
-              <a:rPr lang="en-US" altLang="ko-KR" sz="1600" dirty="0" smtClean="0">
+              <a:rPr lang="en-US" altLang="ko-KR" sz="1600" dirty="0">
                 <a:solidFill>
                   <a:schemeClr val="tx1"/>
                 </a:solidFill>
@@ -8796,7 +8651,7 @@
           <a:p>
             <a:pPr algn="ctr"/>
             <a:r>
-              <a:rPr lang="en-US" altLang="ko-KR" sz="1600" dirty="0" smtClean="0">
+              <a:rPr lang="en-US" altLang="ko-KR" sz="1600" dirty="0">
                 <a:solidFill>
                   <a:schemeClr val="tx1"/>
                 </a:solidFill>
@@ -8856,7 +8711,7 @@
           <a:p>
             <a:pPr algn="ctr"/>
             <a:r>
-              <a:rPr lang="en-US" altLang="ko-KR" sz="1600" dirty="0" smtClean="0">
+              <a:rPr lang="en-US" altLang="ko-KR" sz="1600" dirty="0">
                 <a:solidFill>
                   <a:schemeClr val="tx1"/>
                 </a:solidFill>
@@ -8916,7 +8771,7 @@
           <a:p>
             <a:pPr algn="ctr"/>
             <a:r>
-              <a:rPr lang="en-US" altLang="ko-KR" sz="1600" dirty="0" smtClean="0">
+              <a:rPr lang="en-US" altLang="ko-KR" sz="1600" dirty="0">
                 <a:solidFill>
                   <a:schemeClr val="tx1"/>
                 </a:solidFill>
@@ -8976,7 +8831,7 @@
           <a:p>
             <a:pPr algn="ctr"/>
             <a:r>
-              <a:rPr lang="en-US" altLang="ko-KR" sz="1600" dirty="0" smtClean="0">
+              <a:rPr lang="en-US" altLang="ko-KR" sz="1600" dirty="0">
                 <a:solidFill>
                   <a:schemeClr val="tx1"/>
                 </a:solidFill>
@@ -9036,7 +8891,7 @@
           <a:p>
             <a:pPr algn="ctr"/>
             <a:r>
-              <a:rPr lang="en-US" altLang="ko-KR" sz="1600" dirty="0" smtClean="0">
+              <a:rPr lang="en-US" altLang="ko-KR" sz="1600" dirty="0">
                 <a:solidFill>
                   <a:schemeClr val="tx1"/>
                 </a:solidFill>
@@ -9096,7 +8951,7 @@
           <a:p>
             <a:pPr algn="ctr"/>
             <a:r>
-              <a:rPr lang="en-US" altLang="ko-KR" sz="1600" dirty="0" smtClean="0">
+              <a:rPr lang="en-US" altLang="ko-KR" sz="1600" dirty="0">
                 <a:solidFill>
                   <a:schemeClr val="tx1"/>
                 </a:solidFill>
@@ -9104,18 +8959,13 @@
               <a:t>DB</a:t>
             </a:r>
             <a:r>
-              <a:rPr lang="ko-KR" altLang="en-US" sz="1600" dirty="0" smtClean="0">
+              <a:rPr lang="ko-KR" altLang="en-US" sz="1600" dirty="0">
                 <a:solidFill>
                   <a:schemeClr val="tx1"/>
                 </a:solidFill>
               </a:rPr>
               <a:t>테이블의 경우</a:t>
             </a:r>
-            <a:endParaRPr lang="ko-KR" altLang="en-US" sz="1600" dirty="0">
-              <a:solidFill>
-                <a:schemeClr val="tx1"/>
-              </a:solidFill>
-            </a:endParaRPr>
           </a:p>
         </p:txBody>
       </p:sp>
@@ -9188,7 +9038,7 @@
           <a:p>
             <a:pPr algn="ctr"/>
             <a:r>
-              <a:rPr lang="en-US" altLang="ko-KR" sz="1600" dirty="0" smtClean="0">
+              <a:rPr lang="en-US" altLang="ko-KR" sz="1600" dirty="0">
                 <a:solidFill>
                   <a:schemeClr val="tx1"/>
                 </a:solidFill>
@@ -9196,18 +9046,13 @@
               <a:t>IndexedDB</a:t>
             </a:r>
             <a:r>
-              <a:rPr lang="ko-KR" altLang="en-US" sz="1600" dirty="0" smtClean="0">
+              <a:rPr lang="ko-KR" altLang="en-US" sz="1600" dirty="0">
                 <a:solidFill>
                   <a:schemeClr val="tx1"/>
                 </a:solidFill>
               </a:rPr>
               <a:t>의 경우</a:t>
             </a:r>
-            <a:endParaRPr lang="ko-KR" altLang="en-US" sz="1600" dirty="0">
-              <a:solidFill>
-                <a:schemeClr val="tx1"/>
-              </a:solidFill>
-            </a:endParaRPr>
           </a:p>
         </p:txBody>
       </p:sp>
@@ -9256,7 +9101,7 @@
           <a:p>
             <a:pPr algn="ctr"/>
             <a:r>
-              <a:rPr lang="en-US" altLang="ko-KR" sz="1600" dirty="0" smtClean="0">
+              <a:rPr lang="en-US" altLang="ko-KR" sz="1600" dirty="0">
                 <a:solidFill>
                   <a:schemeClr val="tx1"/>
                 </a:solidFill>
@@ -9316,7 +9161,7 @@
           <a:p>
             <a:pPr algn="ctr"/>
             <a:r>
-              <a:rPr lang="en-US" altLang="ko-KR" sz="1600" dirty="0" smtClean="0">
+              <a:rPr lang="en-US" altLang="ko-KR" sz="1600" dirty="0">
                 <a:solidFill>
                   <a:schemeClr val="tx1"/>
                 </a:solidFill>
@@ -9376,7 +9221,7 @@
           <a:p>
             <a:pPr algn="ctr"/>
             <a:r>
-              <a:rPr lang="en-US" altLang="ko-KR" sz="1600" dirty="0" smtClean="0">
+              <a:rPr lang="en-US" altLang="ko-KR" sz="1600" dirty="0">
                 <a:solidFill>
                   <a:schemeClr val="tx1"/>
                 </a:solidFill>
@@ -9436,7 +9281,7 @@
           <a:p>
             <a:pPr algn="ctr"/>
             <a:r>
-              <a:rPr lang="en-US" altLang="ko-KR" sz="1600" dirty="0" smtClean="0">
+              <a:rPr lang="en-US" altLang="ko-KR" sz="1600" dirty="0">
                 <a:solidFill>
                   <a:schemeClr val="tx1"/>
                 </a:solidFill>
@@ -9496,7 +9341,7 @@
           <a:p>
             <a:pPr algn="ctr"/>
             <a:r>
-              <a:rPr lang="en-US" altLang="ko-KR" sz="1600" dirty="0" smtClean="0">
+              <a:rPr lang="en-US" altLang="ko-KR" sz="1600" dirty="0">
                 <a:solidFill>
                   <a:schemeClr val="tx1"/>
                 </a:solidFill>
@@ -9586,18 +9431,13 @@
           <a:p>
             <a:pPr algn="ctr"/>
             <a:r>
-              <a:rPr lang="ko-KR" altLang="en-US" sz="1600" dirty="0" smtClean="0">
+              <a:rPr lang="ko-KR" altLang="en-US" sz="1600" dirty="0">
                 <a:solidFill>
                   <a:schemeClr val="tx1"/>
                 </a:solidFill>
               </a:rPr>
               <a:t>오늘 한 것</a:t>
             </a:r>
-            <a:endParaRPr lang="ko-KR" altLang="en-US" sz="1600" dirty="0">
-              <a:solidFill>
-                <a:schemeClr val="tx1"/>
-              </a:solidFill>
-            </a:endParaRPr>
           </a:p>
         </p:txBody>
       </p:sp>
@@ -9847,7 +9687,7 @@
           <a:p>
             <a:pPr algn="ctr"/>
             <a:r>
-              <a:rPr lang="en-US" altLang="ko-KR" sz="1600" dirty="0" smtClean="0">
+              <a:rPr lang="en-US" altLang="ko-KR" sz="1600" dirty="0">
                 <a:solidFill>
                   <a:schemeClr val="tx1"/>
                 </a:solidFill>
@@ -9855,7 +9695,7 @@
               <a:t>DB</a:t>
             </a:r>
             <a:r>
-              <a:rPr lang="ko-KR" altLang="en-US" sz="1600" dirty="0" err="1" smtClean="0">
+              <a:rPr lang="ko-KR" altLang="en-US" sz="1600" dirty="0" err="1">
                 <a:solidFill>
                   <a:schemeClr val="tx1"/>
                 </a:solidFill>
@@ -9863,7 +9703,7 @@
               <a:t>를</a:t>
             </a:r>
             <a:r>
-              <a:rPr lang="ko-KR" altLang="en-US" sz="1600" dirty="0" smtClean="0">
+              <a:rPr lang="ko-KR" altLang="en-US" sz="1600" dirty="0">
                 <a:solidFill>
                   <a:schemeClr val="tx1"/>
                 </a:solidFill>
@@ -9871,7 +9711,7 @@
               <a:t> 오픈하는 함수를 작성한다</a:t>
             </a:r>
             <a:r>
-              <a:rPr lang="en-US" altLang="ko-KR" sz="1600" dirty="0" smtClean="0">
+              <a:rPr lang="en-US" altLang="ko-KR" sz="1600" dirty="0">
                 <a:solidFill>
                   <a:schemeClr val="tx1"/>
                 </a:solidFill>
@@ -9882,7 +9722,7 @@
           <a:p>
             <a:pPr algn="ctr"/>
             <a:r>
-              <a:rPr lang="en-US" altLang="ko-KR" sz="1600" dirty="0" smtClean="0">
+              <a:rPr lang="en-US" altLang="ko-KR" sz="1600" dirty="0">
                 <a:solidFill>
                   <a:schemeClr val="tx1"/>
                 </a:solidFill>
@@ -9890,7 +9730,7 @@
               <a:t>DB </a:t>
             </a:r>
             <a:r>
-              <a:rPr lang="ko-KR" altLang="en-US" sz="1600" dirty="0" smtClean="0">
+              <a:rPr lang="ko-KR" altLang="en-US" sz="1600" dirty="0">
                 <a:solidFill>
                   <a:schemeClr val="tx1"/>
                 </a:solidFill>
@@ -9898,7 +9738,7 @@
               <a:t>객체는 첫 줄에서 초기화 해준다</a:t>
             </a:r>
             <a:r>
-              <a:rPr lang="en-US" altLang="ko-KR" sz="1600" dirty="0" smtClean="0">
+              <a:rPr lang="en-US" altLang="ko-KR" sz="1600" dirty="0">
                 <a:solidFill>
                   <a:schemeClr val="tx1"/>
                 </a:solidFill>
